--- a/파이썬기초(PPT)/NEW_2021버전/파이썬 기초 4강_연산.pptx
+++ b/파이썬기초(PPT)/NEW_2021버전/파이썬 기초 4강_연산.pptx
@@ -5,7 +5,7 @@
     <p:sldMasterId id="2147483648" r:id="rId1"/>
   </p:sldMasterIdLst>
   <p:handoutMasterIdLst>
-    <p:handoutMasterId r:id="rId20"/>
+    <p:handoutMasterId r:id="rId23"/>
   </p:handoutMasterIdLst>
   <p:sldIdLst>
     <p:sldId id="292" r:id="rId2"/>
@@ -14,18 +14,21 @@
     <p:sldId id="333" r:id="rId5"/>
     <p:sldId id="348" r:id="rId6"/>
     <p:sldId id="331" r:id="rId7"/>
-    <p:sldId id="310" r:id="rId8"/>
-    <p:sldId id="327" r:id="rId9"/>
-    <p:sldId id="349" r:id="rId10"/>
-    <p:sldId id="350" r:id="rId11"/>
-    <p:sldId id="344" r:id="rId12"/>
-    <p:sldId id="351" r:id="rId13"/>
-    <p:sldId id="335" r:id="rId14"/>
-    <p:sldId id="336" r:id="rId15"/>
-    <p:sldId id="352" r:id="rId16"/>
-    <p:sldId id="346" r:id="rId17"/>
-    <p:sldId id="353" r:id="rId18"/>
-    <p:sldId id="338" r:id="rId19"/>
+    <p:sldId id="355" r:id="rId8"/>
+    <p:sldId id="354" r:id="rId9"/>
+    <p:sldId id="310" r:id="rId10"/>
+    <p:sldId id="327" r:id="rId11"/>
+    <p:sldId id="349" r:id="rId12"/>
+    <p:sldId id="350" r:id="rId13"/>
+    <p:sldId id="344" r:id="rId14"/>
+    <p:sldId id="351" r:id="rId15"/>
+    <p:sldId id="335" r:id="rId16"/>
+    <p:sldId id="336" r:id="rId17"/>
+    <p:sldId id="352" r:id="rId18"/>
+    <p:sldId id="346" r:id="rId19"/>
+    <p:sldId id="353" r:id="rId20"/>
+    <p:sldId id="356" r:id="rId21"/>
+    <p:sldId id="338" r:id="rId22"/>
   </p:sldIdLst>
   <p:sldSz cx="12192000" cy="6858000"/>
   <p:notesSz cx="10020300" cy="6888163"/>
@@ -473,7 +476,7 @@
           <a:p>
             <a:fld id="{FB30EDBD-1C2D-4C1E-B459-B60219FAB484}" type="datetimeFigureOut">
               <a:rPr lang="ko-KR" altLang="en-US" smtClean="0"/>
-              <a:t>2021-02-22</a:t>
+              <a:t>2021-03-02</a:t>
             </a:fld>
             <a:endParaRPr lang="ko-KR" altLang="en-US"/>
           </a:p>
@@ -636,7 +639,7 @@
           <a:p>
             <a:fld id="{FB30EDBD-1C2D-4C1E-B459-B60219FAB484}" type="datetimeFigureOut">
               <a:rPr lang="ko-KR" altLang="en-US" smtClean="0"/>
-              <a:t>2021-02-22</a:t>
+              <a:t>2021-03-02</a:t>
             </a:fld>
             <a:endParaRPr lang="ko-KR" altLang="en-US"/>
           </a:p>
@@ -809,7 +812,7 @@
           <a:p>
             <a:fld id="{FB30EDBD-1C2D-4C1E-B459-B60219FAB484}" type="datetimeFigureOut">
               <a:rPr lang="ko-KR" altLang="en-US" smtClean="0"/>
-              <a:t>2021-02-22</a:t>
+              <a:t>2021-03-02</a:t>
             </a:fld>
             <a:endParaRPr lang="ko-KR" altLang="en-US"/>
           </a:p>
@@ -972,7 +975,7 @@
           <a:p>
             <a:fld id="{FB30EDBD-1C2D-4C1E-B459-B60219FAB484}" type="datetimeFigureOut">
               <a:rPr lang="ko-KR" altLang="en-US" smtClean="0"/>
-              <a:t>2021-02-22</a:t>
+              <a:t>2021-03-02</a:t>
             </a:fld>
             <a:endParaRPr lang="ko-KR" altLang="en-US"/>
           </a:p>
@@ -1212,7 +1215,7 @@
           <a:p>
             <a:fld id="{FB30EDBD-1C2D-4C1E-B459-B60219FAB484}" type="datetimeFigureOut">
               <a:rPr lang="ko-KR" altLang="en-US" smtClean="0"/>
-              <a:t>2021-02-22</a:t>
+              <a:t>2021-03-02</a:t>
             </a:fld>
             <a:endParaRPr lang="ko-KR" altLang="en-US"/>
           </a:p>
@@ -1492,7 +1495,7 @@
           <a:p>
             <a:fld id="{FB30EDBD-1C2D-4C1E-B459-B60219FAB484}" type="datetimeFigureOut">
               <a:rPr lang="ko-KR" altLang="en-US" smtClean="0"/>
-              <a:t>2021-02-22</a:t>
+              <a:t>2021-03-02</a:t>
             </a:fld>
             <a:endParaRPr lang="ko-KR" altLang="en-US"/>
           </a:p>
@@ -1906,7 +1909,7 @@
           <a:p>
             <a:fld id="{FB30EDBD-1C2D-4C1E-B459-B60219FAB484}" type="datetimeFigureOut">
               <a:rPr lang="ko-KR" altLang="en-US" smtClean="0"/>
-              <a:t>2021-02-22</a:t>
+              <a:t>2021-03-02</a:t>
             </a:fld>
             <a:endParaRPr lang="ko-KR" altLang="en-US"/>
           </a:p>
@@ -2018,7 +2021,7 @@
           <a:p>
             <a:fld id="{FB30EDBD-1C2D-4C1E-B459-B60219FAB484}" type="datetimeFigureOut">
               <a:rPr lang="ko-KR" altLang="en-US" smtClean="0"/>
-              <a:t>2021-02-22</a:t>
+              <a:t>2021-03-02</a:t>
             </a:fld>
             <a:endParaRPr lang="ko-KR" altLang="en-US"/>
           </a:p>
@@ -2108,7 +2111,7 @@
           <a:p>
             <a:fld id="{FB30EDBD-1C2D-4C1E-B459-B60219FAB484}" type="datetimeFigureOut">
               <a:rPr lang="ko-KR" altLang="en-US" smtClean="0"/>
-              <a:t>2021-02-22</a:t>
+              <a:t>2021-03-02</a:t>
             </a:fld>
             <a:endParaRPr lang="ko-KR" altLang="en-US"/>
           </a:p>
@@ -2378,7 +2381,7 @@
           <a:p>
             <a:fld id="{FB30EDBD-1C2D-4C1E-B459-B60219FAB484}" type="datetimeFigureOut">
               <a:rPr lang="ko-KR" altLang="en-US" smtClean="0"/>
-              <a:t>2021-02-22</a:t>
+              <a:t>2021-03-02</a:t>
             </a:fld>
             <a:endParaRPr lang="ko-KR" altLang="en-US"/>
           </a:p>
@@ -2625,7 +2628,7 @@
           <a:p>
             <a:fld id="{FB30EDBD-1C2D-4C1E-B459-B60219FAB484}" type="datetimeFigureOut">
               <a:rPr lang="ko-KR" altLang="en-US" smtClean="0"/>
-              <a:t>2021-02-22</a:t>
+              <a:t>2021-03-02</a:t>
             </a:fld>
             <a:endParaRPr lang="ko-KR" altLang="en-US"/>
           </a:p>
@@ -2831,7 +2834,7 @@
           <a:p>
             <a:fld id="{FB30EDBD-1C2D-4C1E-B459-B60219FAB484}" type="datetimeFigureOut">
               <a:rPr lang="ko-KR" altLang="en-US" smtClean="0"/>
-              <a:t>2021-02-22</a:t>
+              <a:t>2021-03-02</a:t>
             </a:fld>
             <a:endParaRPr lang="ko-KR" altLang="en-US"/>
           </a:p>
@@ -3303,8 +3306,8 @@
         </p:nvSpPr>
         <p:spPr>
           <a:xfrm>
-            <a:off x="2816900" y="3098749"/>
-            <a:ext cx="6558207" cy="660502"/>
+            <a:off x="5160487" y="3098749"/>
+            <a:ext cx="1871026" cy="660502"/>
           </a:xfrm>
           <a:prstGeom prst="rect">
             <a:avLst/>
@@ -3318,30 +3321,6 @@
           <a:lstStyle/>
           <a:p>
             <a:pPr algn="ctr"/>
-            <a:r>
-              <a:rPr lang="en-US" altLang="ko-KR" sz="3692" dirty="0">
-                <a:solidFill>
-                  <a:schemeClr val="bg1">
-                    <a:lumMod val="95000"/>
-                  </a:schemeClr>
-                </a:solidFill>
-                <a:latin typeface="나눔바른고딕" panose="020B0603020101020101" pitchFamily="50" charset="-127"/>
-                <a:ea typeface="나눔바른고딕" panose="020B0603020101020101" pitchFamily="50" charset="-127"/>
-              </a:rPr>
-              <a:t>#</a:t>
-            </a:r>
-            <a:r>
-              <a:rPr lang="ko-KR" altLang="en-US" sz="3692" dirty="0" err="1">
-                <a:solidFill>
-                  <a:schemeClr val="bg1">
-                    <a:lumMod val="95000"/>
-                  </a:schemeClr>
-                </a:solidFill>
-                <a:latin typeface="나눔바른고딕" panose="020B0603020101020101" pitchFamily="50" charset="-127"/>
-                <a:ea typeface="나눔바른고딕" panose="020B0603020101020101" pitchFamily="50" charset="-127"/>
-              </a:rPr>
-              <a:t>내꺼하자</a:t>
-            </a:r>
             <a:r>
               <a:rPr lang="ko-KR" altLang="en-US" sz="3692" dirty="0">
                 <a:solidFill>
@@ -3352,79 +3331,7 @@
                 <a:latin typeface="나눔바른고딕" panose="020B0603020101020101" pitchFamily="50" charset="-127"/>
                 <a:ea typeface="나눔바른고딕" panose="020B0603020101020101" pitchFamily="50" charset="-127"/>
               </a:rPr>
-              <a:t> </a:t>
-            </a:r>
-            <a:r>
-              <a:rPr lang="en-US" altLang="ko-KR" sz="3692" dirty="0">
-                <a:solidFill>
-                  <a:schemeClr val="bg1">
-                    <a:lumMod val="95000"/>
-                  </a:schemeClr>
-                </a:solidFill>
-                <a:latin typeface="나눔바른고딕" panose="020B0603020101020101" pitchFamily="50" charset="-127"/>
-                <a:ea typeface="나눔바른고딕" panose="020B0603020101020101" pitchFamily="50" charset="-127"/>
-              </a:rPr>
-              <a:t>#</a:t>
-            </a:r>
-            <a:r>
-              <a:rPr lang="ko-KR" altLang="en-US" sz="3692" dirty="0">
-                <a:solidFill>
-                  <a:schemeClr val="bg1">
-                    <a:lumMod val="95000"/>
-                  </a:schemeClr>
-                </a:solidFill>
-                <a:latin typeface="나눔바른고딕" panose="020B0603020101020101" pitchFamily="50" charset="-127"/>
-                <a:ea typeface="나눔바른고딕" panose="020B0603020101020101" pitchFamily="50" charset="-127"/>
-              </a:rPr>
-              <a:t>오늘부터</a:t>
-            </a:r>
-            <a:r>
-              <a:rPr lang="en-US" altLang="ko-KR" sz="3692" dirty="0">
-                <a:solidFill>
-                  <a:schemeClr val="bg1">
-                    <a:lumMod val="95000"/>
-                  </a:schemeClr>
-                </a:solidFill>
-                <a:latin typeface="나눔바른고딕" panose="020B0603020101020101" pitchFamily="50" charset="-127"/>
-                <a:ea typeface="나눔바른고딕" panose="020B0603020101020101" pitchFamily="50" charset="-127"/>
-              </a:rPr>
-              <a:t>1</a:t>
-            </a:r>
-            <a:r>
-              <a:rPr lang="ko-KR" altLang="en-US" sz="3692" dirty="0">
-                <a:solidFill>
-                  <a:schemeClr val="bg1">
-                    <a:lumMod val="95000"/>
-                  </a:schemeClr>
-                </a:solidFill>
-                <a:latin typeface="나눔바른고딕" panose="020B0603020101020101" pitchFamily="50" charset="-127"/>
-                <a:ea typeface="나눔바른고딕" panose="020B0603020101020101" pitchFamily="50" charset="-127"/>
-              </a:rPr>
-              <a:t>일 </a:t>
-            </a:r>
-            <a:r>
-              <a:rPr lang="en-US" altLang="ko-KR" sz="3692" dirty="0">
-                <a:solidFill>
-                  <a:schemeClr val="bg1">
-                    <a:lumMod val="95000"/>
-                  </a:schemeClr>
-                </a:solidFill>
-                <a:latin typeface="나눔바른고딕" panose="020B0603020101020101" pitchFamily="50" charset="-127"/>
-                <a:ea typeface="나눔바른고딕" panose="020B0603020101020101" pitchFamily="50" charset="-127"/>
-              </a:rPr>
-              <a:t>#</a:t>
-            </a:r>
-            <a:r>
-              <a:rPr lang="ko-KR" altLang="en-US" sz="3692" dirty="0" err="1">
-                <a:solidFill>
-                  <a:schemeClr val="bg1">
-                    <a:lumMod val="95000"/>
-                  </a:schemeClr>
-                </a:solidFill>
-                <a:latin typeface="나눔바른고딕" panose="020B0603020101020101" pitchFamily="50" charset="-127"/>
-                <a:ea typeface="나눔바른고딕" panose="020B0603020101020101" pitchFamily="50" charset="-127"/>
-              </a:rPr>
-              <a:t>내여친</a:t>
+              <a:t>숫자연산</a:t>
             </a:r>
             <a:endParaRPr lang="en-US" altLang="ko-KR" sz="3692" dirty="0">
               <a:solidFill>
@@ -3441,7 +3348,7 @@
     </p:spTree>
     <p:extLst>
       <p:ext uri="{BB962C8B-B14F-4D97-AF65-F5344CB8AC3E}">
-        <p14:creationId xmlns:p14="http://schemas.microsoft.com/office/powerpoint/2010/main" val="2161052614"/>
+        <p14:creationId xmlns:p14="http://schemas.microsoft.com/office/powerpoint/2010/main" val="2397365537"/>
       </p:ext>
     </p:extLst>
   </p:cSld>
@@ -3493,6 +3400,290 @@
         </p:nvSpPr>
         <p:spPr>
           <a:xfrm>
+            <a:off x="4949692" y="3098749"/>
+            <a:ext cx="2292615" cy="660502"/>
+          </a:xfrm>
+          <a:prstGeom prst="rect">
+            <a:avLst/>
+          </a:prstGeom>
+          <a:noFill/>
+        </p:spPr>
+        <p:txBody>
+          <a:bodyPr wrap="none" rtlCol="0">
+            <a:spAutoFit/>
+          </a:bodyPr>
+          <a:lstStyle/>
+          <a:p>
+            <a:pPr algn="ctr"/>
+            <a:r>
+              <a:rPr lang="ko-KR" altLang="en-US" sz="3692" dirty="0">
+                <a:solidFill>
+                  <a:schemeClr val="bg1">
+                    <a:lumMod val="95000"/>
+                  </a:schemeClr>
+                </a:solidFill>
+                <a:latin typeface="나눔바른고딕" panose="020B0603020101020101" pitchFamily="50" charset="-127"/>
+                <a:ea typeface="나눔바른고딕" panose="020B0603020101020101" pitchFamily="50" charset="-127"/>
+              </a:rPr>
+              <a:t>문자열연산</a:t>
+            </a:r>
+            <a:endParaRPr lang="en-US" altLang="ko-KR" sz="3692" dirty="0">
+              <a:solidFill>
+                <a:schemeClr val="bg1">
+                  <a:lumMod val="95000"/>
+                </a:schemeClr>
+              </a:solidFill>
+              <a:latin typeface="나눔바른고딕" panose="020B0603020101020101" pitchFamily="50" charset="-127"/>
+              <a:ea typeface="나눔바른고딕" panose="020B0603020101020101" pitchFamily="50" charset="-127"/>
+            </a:endParaRPr>
+          </a:p>
+        </p:txBody>
+      </p:sp>
+    </p:spTree>
+    <p:extLst>
+      <p:ext uri="{BB962C8B-B14F-4D97-AF65-F5344CB8AC3E}">
+        <p14:creationId xmlns:p14="http://schemas.microsoft.com/office/powerpoint/2010/main" val="2220945899"/>
+      </p:ext>
+    </p:extLst>
+  </p:cSld>
+  <p:clrMapOvr>
+    <a:masterClrMapping/>
+  </p:clrMapOvr>
+</p:sld>
+</file>
+
+<file path=ppt/slides/slide12.xml><?xml version="1.0" encoding="utf-8"?>
+<p:sld xmlns:a="http://schemas.openxmlformats.org/drawingml/2006/main" xmlns:r="http://schemas.openxmlformats.org/officeDocument/2006/relationships" xmlns:p="http://schemas.openxmlformats.org/presentationml/2006/main">
+  <p:cSld>
+    <p:bg>
+      <p:bgPr>
+        <a:solidFill>
+          <a:schemeClr val="tx1">
+            <a:lumMod val="85000"/>
+            <a:lumOff val="15000"/>
+          </a:schemeClr>
+        </a:solidFill>
+        <a:effectLst/>
+      </p:bgPr>
+    </p:bg>
+    <p:spTree>
+      <p:nvGrpSpPr>
+        <p:cNvPr id="1" name=""/>
+        <p:cNvGrpSpPr/>
+        <p:nvPr/>
+      </p:nvGrpSpPr>
+      <p:grpSpPr>
+        <a:xfrm>
+          <a:off x="0" y="0"/>
+          <a:ext cx="0" cy="0"/>
+          <a:chOff x="0" y="0"/>
+          <a:chExt cx="0" cy="0"/>
+        </a:xfrm>
+      </p:grpSpPr>
+      <p:sp>
+        <p:nvSpPr>
+          <p:cNvPr id="2" name="TextBox 1">
+            <a:extLst>
+              <a:ext uri="{FF2B5EF4-FFF2-40B4-BE49-F238E27FC236}">
+                <a16:creationId xmlns:a16="http://schemas.microsoft.com/office/drawing/2014/main" id="{0B332A50-CC0E-4C7E-B47E-E7CFBA7B423B}"/>
+              </a:ext>
+            </a:extLst>
+          </p:cNvPr>
+          <p:cNvSpPr txBox="1"/>
+          <p:nvPr/>
+        </p:nvSpPr>
+        <p:spPr>
+          <a:xfrm>
+            <a:off x="2816900" y="3098749"/>
+            <a:ext cx="6558207" cy="660502"/>
+          </a:xfrm>
+          <a:prstGeom prst="rect">
+            <a:avLst/>
+          </a:prstGeom>
+          <a:noFill/>
+        </p:spPr>
+        <p:txBody>
+          <a:bodyPr wrap="none" rtlCol="0">
+            <a:spAutoFit/>
+          </a:bodyPr>
+          <a:lstStyle/>
+          <a:p>
+            <a:pPr algn="ctr"/>
+            <a:r>
+              <a:rPr lang="en-US" altLang="ko-KR" sz="3692" dirty="0">
+                <a:solidFill>
+                  <a:schemeClr val="bg1">
+                    <a:lumMod val="95000"/>
+                  </a:schemeClr>
+                </a:solidFill>
+                <a:latin typeface="나눔바른고딕" panose="020B0603020101020101" pitchFamily="50" charset="-127"/>
+                <a:ea typeface="나눔바른고딕" panose="020B0603020101020101" pitchFamily="50" charset="-127"/>
+              </a:rPr>
+              <a:t>#</a:t>
+            </a:r>
+            <a:r>
+              <a:rPr lang="ko-KR" altLang="en-US" sz="3692" dirty="0" err="1">
+                <a:solidFill>
+                  <a:schemeClr val="bg1">
+                    <a:lumMod val="95000"/>
+                  </a:schemeClr>
+                </a:solidFill>
+                <a:latin typeface="나눔바른고딕" panose="020B0603020101020101" pitchFamily="50" charset="-127"/>
+                <a:ea typeface="나눔바른고딕" panose="020B0603020101020101" pitchFamily="50" charset="-127"/>
+              </a:rPr>
+              <a:t>내꺼하자</a:t>
+            </a:r>
+            <a:r>
+              <a:rPr lang="ko-KR" altLang="en-US" sz="3692" dirty="0">
+                <a:solidFill>
+                  <a:schemeClr val="bg1">
+                    <a:lumMod val="95000"/>
+                  </a:schemeClr>
+                </a:solidFill>
+                <a:latin typeface="나눔바른고딕" panose="020B0603020101020101" pitchFamily="50" charset="-127"/>
+                <a:ea typeface="나눔바른고딕" panose="020B0603020101020101" pitchFamily="50" charset="-127"/>
+              </a:rPr>
+              <a:t> </a:t>
+            </a:r>
+            <a:r>
+              <a:rPr lang="en-US" altLang="ko-KR" sz="3692" dirty="0">
+                <a:solidFill>
+                  <a:schemeClr val="bg1">
+                    <a:lumMod val="95000"/>
+                  </a:schemeClr>
+                </a:solidFill>
+                <a:latin typeface="나눔바른고딕" panose="020B0603020101020101" pitchFamily="50" charset="-127"/>
+                <a:ea typeface="나눔바른고딕" panose="020B0603020101020101" pitchFamily="50" charset="-127"/>
+              </a:rPr>
+              <a:t>#</a:t>
+            </a:r>
+            <a:r>
+              <a:rPr lang="ko-KR" altLang="en-US" sz="3692" dirty="0">
+                <a:solidFill>
+                  <a:schemeClr val="bg1">
+                    <a:lumMod val="95000"/>
+                  </a:schemeClr>
+                </a:solidFill>
+                <a:latin typeface="나눔바른고딕" panose="020B0603020101020101" pitchFamily="50" charset="-127"/>
+                <a:ea typeface="나눔바른고딕" panose="020B0603020101020101" pitchFamily="50" charset="-127"/>
+              </a:rPr>
+              <a:t>오늘부터</a:t>
+            </a:r>
+            <a:r>
+              <a:rPr lang="en-US" altLang="ko-KR" sz="3692" dirty="0">
+                <a:solidFill>
+                  <a:schemeClr val="bg1">
+                    <a:lumMod val="95000"/>
+                  </a:schemeClr>
+                </a:solidFill>
+                <a:latin typeface="나눔바른고딕" panose="020B0603020101020101" pitchFamily="50" charset="-127"/>
+                <a:ea typeface="나눔바른고딕" panose="020B0603020101020101" pitchFamily="50" charset="-127"/>
+              </a:rPr>
+              <a:t>1</a:t>
+            </a:r>
+            <a:r>
+              <a:rPr lang="ko-KR" altLang="en-US" sz="3692" dirty="0">
+                <a:solidFill>
+                  <a:schemeClr val="bg1">
+                    <a:lumMod val="95000"/>
+                  </a:schemeClr>
+                </a:solidFill>
+                <a:latin typeface="나눔바른고딕" panose="020B0603020101020101" pitchFamily="50" charset="-127"/>
+                <a:ea typeface="나눔바른고딕" panose="020B0603020101020101" pitchFamily="50" charset="-127"/>
+              </a:rPr>
+              <a:t>일 </a:t>
+            </a:r>
+            <a:r>
+              <a:rPr lang="en-US" altLang="ko-KR" sz="3692" dirty="0">
+                <a:solidFill>
+                  <a:schemeClr val="bg1">
+                    <a:lumMod val="95000"/>
+                  </a:schemeClr>
+                </a:solidFill>
+                <a:latin typeface="나눔바른고딕" panose="020B0603020101020101" pitchFamily="50" charset="-127"/>
+                <a:ea typeface="나눔바른고딕" panose="020B0603020101020101" pitchFamily="50" charset="-127"/>
+              </a:rPr>
+              <a:t>#</a:t>
+            </a:r>
+            <a:r>
+              <a:rPr lang="ko-KR" altLang="en-US" sz="3692" dirty="0" err="1">
+                <a:solidFill>
+                  <a:schemeClr val="bg1">
+                    <a:lumMod val="95000"/>
+                  </a:schemeClr>
+                </a:solidFill>
+                <a:latin typeface="나눔바른고딕" panose="020B0603020101020101" pitchFamily="50" charset="-127"/>
+                <a:ea typeface="나눔바른고딕" panose="020B0603020101020101" pitchFamily="50" charset="-127"/>
+              </a:rPr>
+              <a:t>내여친</a:t>
+            </a:r>
+            <a:endParaRPr lang="en-US" altLang="ko-KR" sz="3692" dirty="0">
+              <a:solidFill>
+                <a:schemeClr val="bg1">
+                  <a:lumMod val="95000"/>
+                </a:schemeClr>
+              </a:solidFill>
+              <a:latin typeface="나눔바른고딕" panose="020B0603020101020101" pitchFamily="50" charset="-127"/>
+              <a:ea typeface="나눔바른고딕" panose="020B0603020101020101" pitchFamily="50" charset="-127"/>
+            </a:endParaRPr>
+          </a:p>
+        </p:txBody>
+      </p:sp>
+    </p:spTree>
+    <p:extLst>
+      <p:ext uri="{BB962C8B-B14F-4D97-AF65-F5344CB8AC3E}">
+        <p14:creationId xmlns:p14="http://schemas.microsoft.com/office/powerpoint/2010/main" val="2161052614"/>
+      </p:ext>
+    </p:extLst>
+  </p:cSld>
+  <p:clrMapOvr>
+    <a:masterClrMapping/>
+  </p:clrMapOvr>
+</p:sld>
+</file>
+
+<file path=ppt/slides/slide13.xml><?xml version="1.0" encoding="utf-8"?>
+<p:sld xmlns:a="http://schemas.openxmlformats.org/drawingml/2006/main" xmlns:r="http://schemas.openxmlformats.org/officeDocument/2006/relationships" xmlns:p="http://schemas.openxmlformats.org/presentationml/2006/main">
+  <p:cSld>
+    <p:bg>
+      <p:bgPr>
+        <a:solidFill>
+          <a:schemeClr val="tx1">
+            <a:lumMod val="85000"/>
+            <a:lumOff val="15000"/>
+          </a:schemeClr>
+        </a:solidFill>
+        <a:effectLst/>
+      </p:bgPr>
+    </p:bg>
+    <p:spTree>
+      <p:nvGrpSpPr>
+        <p:cNvPr id="1" name=""/>
+        <p:cNvGrpSpPr/>
+        <p:nvPr/>
+      </p:nvGrpSpPr>
+      <p:grpSpPr>
+        <a:xfrm>
+          <a:off x="0" y="0"/>
+          <a:ext cx="0" cy="0"/>
+          <a:chOff x="0" y="0"/>
+          <a:chExt cx="0" cy="0"/>
+        </a:xfrm>
+      </p:grpSpPr>
+      <p:sp>
+        <p:nvSpPr>
+          <p:cNvPr id="2" name="TextBox 1">
+            <a:extLst>
+              <a:ext uri="{FF2B5EF4-FFF2-40B4-BE49-F238E27FC236}">
+                <a16:creationId xmlns:a16="http://schemas.microsoft.com/office/drawing/2014/main" id="{0B332A50-CC0E-4C7E-B47E-E7CFBA7B423B}"/>
+              </a:ext>
+            </a:extLst>
+          </p:cNvPr>
+          <p:cNvSpPr txBox="1"/>
+          <p:nvPr/>
+        </p:nvSpPr>
+        <p:spPr>
+          <a:xfrm>
             <a:off x="5160492" y="3098749"/>
             <a:ext cx="1871026" cy="660502"/>
           </a:xfrm>
@@ -3545,7 +3736,7 @@
 </p:sld>
 </file>
 
-<file path=ppt/slides/slide12.xml><?xml version="1.0" encoding="utf-8"?>
+<file path=ppt/slides/slide14.xml><?xml version="1.0" encoding="utf-8"?>
 <p:sld xmlns:a="http://schemas.openxmlformats.org/drawingml/2006/main" xmlns:r="http://schemas.openxmlformats.org/officeDocument/2006/relationships" xmlns:p="http://schemas.openxmlformats.org/presentationml/2006/main">
   <p:cSld>
     <p:bg>
@@ -3910,93 +4101,10 @@
   <p:clrMapOvr>
     <a:masterClrMapping/>
   </p:clrMapOvr>
-  <p:timing>
-    <p:tnLst>
-      <p:par>
-        <p:cTn id="1" dur="indefinite" restart="never" nodeType="tmRoot">
-          <p:childTnLst>
-            <p:seq concurrent="1" nextAc="seek">
-              <p:cTn id="2" dur="indefinite" nodeType="mainSeq">
-                <p:childTnLst>
-                  <p:par>
-                    <p:cTn id="3" fill="hold">
-                      <p:stCondLst>
-                        <p:cond delay="indefinite"/>
-                      </p:stCondLst>
-                      <p:childTnLst>
-                        <p:par>
-                          <p:cTn id="4" fill="hold">
-                            <p:stCondLst>
-                              <p:cond delay="0"/>
-                            </p:stCondLst>
-                            <p:childTnLst>
-                              <p:par>
-                                <p:cTn id="5" presetID="10" presetClass="entr" presetSubtype="0" fill="hold" nodeType="clickEffect">
-                                  <p:stCondLst>
-                                    <p:cond delay="0"/>
-                                  </p:stCondLst>
-                                  <p:childTnLst>
-                                    <p:set>
-                                      <p:cBhvr>
-                                        <p:cTn id="6" dur="1" fill="hold">
-                                          <p:stCondLst>
-                                            <p:cond delay="0"/>
-                                          </p:stCondLst>
-                                        </p:cTn>
-                                        <p:tgtEl>
-                                          <p:spTgt spid="3"/>
-                                        </p:tgtEl>
-                                        <p:attrNameLst>
-                                          <p:attrName>style.visibility</p:attrName>
-                                        </p:attrNameLst>
-                                      </p:cBhvr>
-                                      <p:to>
-                                        <p:strVal val="visible"/>
-                                      </p:to>
-                                    </p:set>
-                                    <p:animEffect transition="in" filter="fade">
-                                      <p:cBhvr>
-                                        <p:cTn id="7" dur="500"/>
-                                        <p:tgtEl>
-                                          <p:spTgt spid="3"/>
-                                        </p:tgtEl>
-                                      </p:cBhvr>
-                                    </p:animEffect>
-                                  </p:childTnLst>
-                                </p:cTn>
-                              </p:par>
-                            </p:childTnLst>
-                          </p:cTn>
-                        </p:par>
-                      </p:childTnLst>
-                    </p:cTn>
-                  </p:par>
-                </p:childTnLst>
-              </p:cTn>
-              <p:prevCondLst>
-                <p:cond evt="onPrev" delay="0">
-                  <p:tgtEl>
-                    <p:sldTgt/>
-                  </p:tgtEl>
-                </p:cond>
-              </p:prevCondLst>
-              <p:nextCondLst>
-                <p:cond evt="onNext" delay="0">
-                  <p:tgtEl>
-                    <p:sldTgt/>
-                  </p:tgtEl>
-                </p:cond>
-              </p:nextCondLst>
-            </p:seq>
-          </p:childTnLst>
-        </p:cTn>
-      </p:par>
-    </p:tnLst>
-  </p:timing>
 </p:sld>
 </file>
 
-<file path=ppt/slides/slide13.xml><?xml version="1.0" encoding="utf-8"?>
+<file path=ppt/slides/slide15.xml><?xml version="1.0" encoding="utf-8"?>
 <p:sld xmlns:a="http://schemas.openxmlformats.org/drawingml/2006/main" xmlns:r="http://schemas.openxmlformats.org/officeDocument/2006/relationships" xmlns:p="http://schemas.openxmlformats.org/presentationml/2006/main">
   <p:cSld>
     <p:bg>
@@ -4119,18 +4227,15 @@
           </a:p>
           <a:p>
             <a:pPr algn="ctr"/>
-            <a:r>
-              <a:rPr lang="en-US" altLang="ko-KR" sz="3692" dirty="0">
-                <a:solidFill>
-                  <a:schemeClr val="accent6">
-                    <a:lumMod val="75000"/>
-                  </a:schemeClr>
-                </a:solidFill>
-                <a:latin typeface="나눔바른고딕" panose="020B0603020101020101" pitchFamily="50" charset="-127"/>
-                <a:ea typeface="나눔바른고딕" panose="020B0603020101020101" pitchFamily="50" charset="-127"/>
-              </a:rPr>
-              <a:t>(1)</a:t>
-            </a:r>
+            <a:endParaRPr lang="en-US" altLang="ko-KR" sz="3692" dirty="0">
+              <a:solidFill>
+                <a:schemeClr val="accent6">
+                  <a:lumMod val="75000"/>
+                </a:schemeClr>
+              </a:solidFill>
+              <a:latin typeface="나눔바른고딕" panose="020B0603020101020101" pitchFamily="50" charset="-127"/>
+              <a:ea typeface="나눔바른고딕" panose="020B0603020101020101" pitchFamily="50" charset="-127"/>
+            </a:endParaRPr>
           </a:p>
         </p:txBody>
       </p:sp>
@@ -4175,16 +4280,13 @@
           </a:p>
           <a:p>
             <a:pPr algn="ctr"/>
-            <a:r>
-              <a:rPr lang="en-US" altLang="ko-KR" sz="3692" dirty="0">
-                <a:solidFill>
-                  <a:schemeClr val="accent1"/>
-                </a:solidFill>
-                <a:latin typeface="나눔바른고딕" panose="020B0603020101020101" pitchFamily="50" charset="-127"/>
-                <a:ea typeface="나눔바른고딕" panose="020B0603020101020101" pitchFamily="50" charset="-127"/>
-              </a:rPr>
-              <a:t>(0)</a:t>
-            </a:r>
+            <a:endParaRPr lang="en-US" altLang="ko-KR" sz="3692" dirty="0">
+              <a:solidFill>
+                <a:schemeClr val="accent1"/>
+              </a:solidFill>
+              <a:latin typeface="나눔바른고딕" panose="020B0603020101020101" pitchFamily="50" charset="-127"/>
+              <a:ea typeface="나눔바른고딕" panose="020B0603020101020101" pitchFamily="50" charset="-127"/>
+            </a:endParaRPr>
           </a:p>
         </p:txBody>
       </p:sp>
@@ -4396,7 +4498,7 @@
 </p:sld>
 </file>
 
-<file path=ppt/slides/slide14.xml><?xml version="1.0" encoding="utf-8"?>
+<file path=ppt/slides/slide16.xml><?xml version="1.0" encoding="utf-8"?>
 <p:sld xmlns:a="http://schemas.openxmlformats.org/drawingml/2006/main" xmlns:r="http://schemas.openxmlformats.org/officeDocument/2006/relationships" xmlns:p="http://schemas.openxmlformats.org/presentationml/2006/main">
   <p:cSld>
     <p:bg>
@@ -4745,93 +4847,10 @@
   <p:clrMapOvr>
     <a:masterClrMapping/>
   </p:clrMapOvr>
-  <p:timing>
-    <p:tnLst>
-      <p:par>
-        <p:cTn id="1" dur="indefinite" restart="never" nodeType="tmRoot">
-          <p:childTnLst>
-            <p:seq concurrent="1" nextAc="seek">
-              <p:cTn id="2" dur="indefinite" nodeType="mainSeq">
-                <p:childTnLst>
-                  <p:par>
-                    <p:cTn id="3" fill="hold">
-                      <p:stCondLst>
-                        <p:cond delay="indefinite"/>
-                      </p:stCondLst>
-                      <p:childTnLst>
-                        <p:par>
-                          <p:cTn id="4" fill="hold">
-                            <p:stCondLst>
-                              <p:cond delay="0"/>
-                            </p:stCondLst>
-                            <p:childTnLst>
-                              <p:par>
-                                <p:cTn id="5" presetID="10" presetClass="entr" presetSubtype="0" fill="hold" nodeType="clickEffect">
-                                  <p:stCondLst>
-                                    <p:cond delay="0"/>
-                                  </p:stCondLst>
-                                  <p:childTnLst>
-                                    <p:set>
-                                      <p:cBhvr>
-                                        <p:cTn id="6" dur="1" fill="hold">
-                                          <p:stCondLst>
-                                            <p:cond delay="0"/>
-                                          </p:stCondLst>
-                                        </p:cTn>
-                                        <p:tgtEl>
-                                          <p:spTgt spid="3"/>
-                                        </p:tgtEl>
-                                        <p:attrNameLst>
-                                          <p:attrName>style.visibility</p:attrName>
-                                        </p:attrNameLst>
-                                      </p:cBhvr>
-                                      <p:to>
-                                        <p:strVal val="visible"/>
-                                      </p:to>
-                                    </p:set>
-                                    <p:animEffect transition="in" filter="fade">
-                                      <p:cBhvr>
-                                        <p:cTn id="7" dur="500"/>
-                                        <p:tgtEl>
-                                          <p:spTgt spid="3"/>
-                                        </p:tgtEl>
-                                      </p:cBhvr>
-                                    </p:animEffect>
-                                  </p:childTnLst>
-                                </p:cTn>
-                              </p:par>
-                            </p:childTnLst>
-                          </p:cTn>
-                        </p:par>
-                      </p:childTnLst>
-                    </p:cTn>
-                  </p:par>
-                </p:childTnLst>
-              </p:cTn>
-              <p:prevCondLst>
-                <p:cond evt="onPrev" delay="0">
-                  <p:tgtEl>
-                    <p:sldTgt/>
-                  </p:tgtEl>
-                </p:cond>
-              </p:prevCondLst>
-              <p:nextCondLst>
-                <p:cond evt="onNext" delay="0">
-                  <p:tgtEl>
-                    <p:sldTgt/>
-                  </p:tgtEl>
-                </p:cond>
-              </p:nextCondLst>
-            </p:seq>
-          </p:childTnLst>
-        </p:cTn>
-      </p:par>
-    </p:tnLst>
-  </p:timing>
 </p:sld>
 </file>
 
-<file path=ppt/slides/slide15.xml><?xml version="1.0" encoding="utf-8"?>
+<file path=ppt/slides/slide17.xml><?xml version="1.0" encoding="utf-8"?>
 <p:sld xmlns:a="http://schemas.openxmlformats.org/drawingml/2006/main" xmlns:r="http://schemas.openxmlformats.org/officeDocument/2006/relationships" xmlns:p="http://schemas.openxmlformats.org/presentationml/2006/main">
   <p:cSld>
     <p:bg>
@@ -4925,7 +4944,7 @@
 </p:sld>
 </file>
 
-<file path=ppt/slides/slide16.xml><?xml version="1.0" encoding="utf-8"?>
+<file path=ppt/slides/slide18.xml><?xml version="1.0" encoding="utf-8"?>
 <p:sld xmlns:a="http://schemas.openxmlformats.org/drawingml/2006/main" xmlns:r="http://schemas.openxmlformats.org/officeDocument/2006/relationships" xmlns:p="http://schemas.openxmlformats.org/presentationml/2006/main">
   <p:cSld>
     <p:bg>
@@ -4968,7 +4987,7 @@
           <p:nvPr>
             <p:extLst>
               <p:ext uri="{D42A27DB-BD31-4B8C-83A1-F6EECF244321}">
-                <p14:modId xmlns:p14="http://schemas.microsoft.com/office/powerpoint/2010/main" val="2590161049"/>
+                <p14:modId xmlns:p14="http://schemas.microsoft.com/office/powerpoint/2010/main" val="3840732747"/>
               </p:ext>
             </p:extLst>
           </p:nvPr>
@@ -5188,7 +5207,7 @@
                             <a:schemeClr val="tx1"/>
                           </a:solidFill>
                         </a:rPr>
-                        <a:t>True</a:t>
+                        <a:t>False</a:t>
                       </a:r>
                       <a:endParaRPr lang="ko-KR" altLang="en-US" sz="2000" dirty="0">
                         <a:solidFill>
@@ -5219,93 +5238,10 @@
   <p:clrMapOvr>
     <a:masterClrMapping/>
   </p:clrMapOvr>
-  <p:timing>
-    <p:tnLst>
-      <p:par>
-        <p:cTn id="1" dur="indefinite" restart="never" nodeType="tmRoot">
-          <p:childTnLst>
-            <p:seq concurrent="1" nextAc="seek">
-              <p:cTn id="2" dur="indefinite" nodeType="mainSeq">
-                <p:childTnLst>
-                  <p:par>
-                    <p:cTn id="3" fill="hold">
-                      <p:stCondLst>
-                        <p:cond delay="indefinite"/>
-                      </p:stCondLst>
-                      <p:childTnLst>
-                        <p:par>
-                          <p:cTn id="4" fill="hold">
-                            <p:stCondLst>
-                              <p:cond delay="0"/>
-                            </p:stCondLst>
-                            <p:childTnLst>
-                              <p:par>
-                                <p:cTn id="5" presetID="10" presetClass="entr" presetSubtype="0" fill="hold" nodeType="clickEffect">
-                                  <p:stCondLst>
-                                    <p:cond delay="0"/>
-                                  </p:stCondLst>
-                                  <p:childTnLst>
-                                    <p:set>
-                                      <p:cBhvr>
-                                        <p:cTn id="6" dur="1" fill="hold">
-                                          <p:stCondLst>
-                                            <p:cond delay="0"/>
-                                          </p:stCondLst>
-                                        </p:cTn>
-                                        <p:tgtEl>
-                                          <p:spTgt spid="3"/>
-                                        </p:tgtEl>
-                                        <p:attrNameLst>
-                                          <p:attrName>style.visibility</p:attrName>
-                                        </p:attrNameLst>
-                                      </p:cBhvr>
-                                      <p:to>
-                                        <p:strVal val="visible"/>
-                                      </p:to>
-                                    </p:set>
-                                    <p:animEffect transition="in" filter="fade">
-                                      <p:cBhvr>
-                                        <p:cTn id="7" dur="500"/>
-                                        <p:tgtEl>
-                                          <p:spTgt spid="3"/>
-                                        </p:tgtEl>
-                                      </p:cBhvr>
-                                    </p:animEffect>
-                                  </p:childTnLst>
-                                </p:cTn>
-                              </p:par>
-                            </p:childTnLst>
-                          </p:cTn>
-                        </p:par>
-                      </p:childTnLst>
-                    </p:cTn>
-                  </p:par>
-                </p:childTnLst>
-              </p:cTn>
-              <p:prevCondLst>
-                <p:cond evt="onPrev" delay="0">
-                  <p:tgtEl>
-                    <p:sldTgt/>
-                  </p:tgtEl>
-                </p:cond>
-              </p:prevCondLst>
-              <p:nextCondLst>
-                <p:cond evt="onNext" delay="0">
-                  <p:tgtEl>
-                    <p:sldTgt/>
-                  </p:tgtEl>
-                </p:cond>
-              </p:nextCondLst>
-            </p:seq>
-          </p:childTnLst>
-        </p:cTn>
-      </p:par>
-    </p:tnLst>
-  </p:timing>
 </p:sld>
 </file>
 
-<file path=ppt/slides/slide17.xml><?xml version="1.0" encoding="utf-8"?>
+<file path=ppt/slides/slide19.xml><?xml version="1.0" encoding="utf-8"?>
 <p:sld xmlns:a="http://schemas.openxmlformats.org/drawingml/2006/main" xmlns:r="http://schemas.openxmlformats.org/officeDocument/2006/relationships" xmlns:p="http://schemas.openxmlformats.org/presentationml/2006/main">
   <p:cSld>
     <p:bg>
@@ -5535,178 +5471,6 @@
   <p:clrMapOvr>
     <a:masterClrMapping/>
   </p:clrMapOvr>
-  <p:timing>
-    <p:tnLst>
-      <p:par>
-        <p:cTn id="1" dur="indefinite" restart="never" nodeType="tmRoot">
-          <p:childTnLst>
-            <p:seq concurrent="1" nextAc="seek">
-              <p:cTn id="2" dur="indefinite" nodeType="mainSeq">
-                <p:childTnLst>
-                  <p:par>
-                    <p:cTn id="3" fill="hold">
-                      <p:stCondLst>
-                        <p:cond delay="indefinite"/>
-                      </p:stCondLst>
-                      <p:childTnLst>
-                        <p:par>
-                          <p:cTn id="4" fill="hold">
-                            <p:stCondLst>
-                              <p:cond delay="0"/>
-                            </p:stCondLst>
-                            <p:childTnLst>
-                              <p:par>
-                                <p:cTn id="5" presetID="10" presetClass="entr" presetSubtype="0" fill="hold" nodeType="clickEffect">
-                                  <p:stCondLst>
-                                    <p:cond delay="0"/>
-                                  </p:stCondLst>
-                                  <p:childTnLst>
-                                    <p:set>
-                                      <p:cBhvr>
-                                        <p:cTn id="6" dur="1" fill="hold">
-                                          <p:stCondLst>
-                                            <p:cond delay="0"/>
-                                          </p:stCondLst>
-                                        </p:cTn>
-                                        <p:tgtEl>
-                                          <p:spTgt spid="3"/>
-                                        </p:tgtEl>
-                                        <p:attrNameLst>
-                                          <p:attrName>style.visibility</p:attrName>
-                                        </p:attrNameLst>
-                                      </p:cBhvr>
-                                      <p:to>
-                                        <p:strVal val="visible"/>
-                                      </p:to>
-                                    </p:set>
-                                    <p:animEffect transition="in" filter="fade">
-                                      <p:cBhvr>
-                                        <p:cTn id="7" dur="500"/>
-                                        <p:tgtEl>
-                                          <p:spTgt spid="3"/>
-                                        </p:tgtEl>
-                                      </p:cBhvr>
-                                    </p:animEffect>
-                                  </p:childTnLst>
-                                </p:cTn>
-                              </p:par>
-                            </p:childTnLst>
-                          </p:cTn>
-                        </p:par>
-                      </p:childTnLst>
-                    </p:cTn>
-                  </p:par>
-                </p:childTnLst>
-              </p:cTn>
-              <p:prevCondLst>
-                <p:cond evt="onPrev" delay="0">
-                  <p:tgtEl>
-                    <p:sldTgt/>
-                  </p:tgtEl>
-                </p:cond>
-              </p:prevCondLst>
-              <p:nextCondLst>
-                <p:cond evt="onNext" delay="0">
-                  <p:tgtEl>
-                    <p:sldTgt/>
-                  </p:tgtEl>
-                </p:cond>
-              </p:nextCondLst>
-            </p:seq>
-          </p:childTnLst>
-        </p:cTn>
-      </p:par>
-    </p:tnLst>
-  </p:timing>
-</p:sld>
-</file>
-
-<file path=ppt/slides/slide18.xml><?xml version="1.0" encoding="utf-8"?>
-<p:sld xmlns:a="http://schemas.openxmlformats.org/drawingml/2006/main" xmlns:r="http://schemas.openxmlformats.org/officeDocument/2006/relationships" xmlns:p="http://schemas.openxmlformats.org/presentationml/2006/main">
-  <p:cSld>
-    <p:bg>
-      <p:bgPr>
-        <a:solidFill>
-          <a:schemeClr val="tx1">
-            <a:lumMod val="85000"/>
-            <a:lumOff val="15000"/>
-          </a:schemeClr>
-        </a:solidFill>
-        <a:effectLst/>
-      </p:bgPr>
-    </p:bg>
-    <p:spTree>
-      <p:nvGrpSpPr>
-        <p:cNvPr id="1" name=""/>
-        <p:cNvGrpSpPr/>
-        <p:nvPr/>
-      </p:nvGrpSpPr>
-      <p:grpSpPr>
-        <a:xfrm>
-          <a:off x="0" y="0"/>
-          <a:ext cx="0" cy="0"/>
-          <a:chOff x="0" y="0"/>
-          <a:chExt cx="0" cy="0"/>
-        </a:xfrm>
-      </p:grpSpPr>
-      <p:sp>
-        <p:nvSpPr>
-          <p:cNvPr id="2" name="TextBox 1">
-            <a:extLst>
-              <a:ext uri="{FF2B5EF4-FFF2-40B4-BE49-F238E27FC236}">
-                <a16:creationId xmlns:a16="http://schemas.microsoft.com/office/drawing/2014/main" id="{0B332A50-CC0E-4C7E-B47E-E7CFBA7B423B}"/>
-              </a:ext>
-            </a:extLst>
-          </p:cNvPr>
-          <p:cNvSpPr txBox="1"/>
-          <p:nvPr/>
-        </p:nvSpPr>
-        <p:spPr>
-          <a:xfrm>
-            <a:off x="4849209" y="3073874"/>
-            <a:ext cx="2509020" cy="717440"/>
-          </a:xfrm>
-          <a:prstGeom prst="rect">
-            <a:avLst/>
-          </a:prstGeom>
-          <a:noFill/>
-        </p:spPr>
-        <p:txBody>
-          <a:bodyPr wrap="none" rtlCol="0">
-            <a:spAutoFit/>
-          </a:bodyPr>
-          <a:lstStyle/>
-          <a:p>
-            <a:r>
-              <a:rPr lang="ko-KR" altLang="en-US" sz="4062">
-                <a:solidFill>
-                  <a:schemeClr val="bg1"/>
-                </a:solidFill>
-                <a:latin typeface="나눔바른고딕" panose="020B0603020101020101" pitchFamily="50" charset="-127"/>
-                <a:ea typeface="나눔바른고딕" panose="020B0603020101020101" pitchFamily="50" charset="-127"/>
-              </a:rPr>
-              <a:t>감사합니다</a:t>
-            </a:r>
-            <a:endParaRPr lang="en-US" altLang="ko-KR" sz="4062" dirty="0">
-              <a:solidFill>
-                <a:schemeClr val="bg1"/>
-              </a:solidFill>
-              <a:latin typeface="나눔바른고딕" panose="020B0603020101020101" pitchFamily="50" charset="-127"/>
-              <a:ea typeface="나눔바른고딕" panose="020B0603020101020101" pitchFamily="50" charset="-127"/>
-            </a:endParaRPr>
-          </a:p>
-        </p:txBody>
-      </p:sp>
-    </p:spTree>
-    <p:extLst>
-      <p:ext uri="{BB962C8B-B14F-4D97-AF65-F5344CB8AC3E}">
-        <p14:creationId xmlns:p14="http://schemas.microsoft.com/office/powerpoint/2010/main" val="1178316166"/>
-      </p:ext>
-    </p:extLst>
-  </p:cSld>
-  <p:clrMapOvr>
-    <a:masterClrMapping/>
-  </p:clrMapOvr>
 </p:sld>
 </file>
 
@@ -5795,6 +5559,1186 @@
     <p:extLst>
       <p:ext uri="{BB962C8B-B14F-4D97-AF65-F5344CB8AC3E}">
         <p14:creationId xmlns:p14="http://schemas.microsoft.com/office/powerpoint/2010/main" val="420801499"/>
+      </p:ext>
+    </p:extLst>
+  </p:cSld>
+  <p:clrMapOvr>
+    <a:masterClrMapping/>
+  </p:clrMapOvr>
+</p:sld>
+</file>
+
+<file path=ppt/slides/slide20.xml><?xml version="1.0" encoding="utf-8"?>
+<p:sld xmlns:a="http://schemas.openxmlformats.org/drawingml/2006/main" xmlns:r="http://schemas.openxmlformats.org/officeDocument/2006/relationships" xmlns:p="http://schemas.openxmlformats.org/presentationml/2006/main">
+  <p:cSld>
+    <p:bg>
+      <p:bgPr>
+        <a:solidFill>
+          <a:schemeClr val="tx1">
+            <a:lumMod val="85000"/>
+            <a:lumOff val="15000"/>
+          </a:schemeClr>
+        </a:solidFill>
+        <a:effectLst/>
+      </p:bgPr>
+    </p:bg>
+    <p:spTree>
+      <p:nvGrpSpPr>
+        <p:cNvPr id="1" name=""/>
+        <p:cNvGrpSpPr/>
+        <p:nvPr/>
+      </p:nvGrpSpPr>
+      <p:grpSpPr>
+        <a:xfrm>
+          <a:off x="0" y="0"/>
+          <a:ext cx="0" cy="0"/>
+          <a:chOff x="0" y="0"/>
+          <a:chExt cx="0" cy="0"/>
+        </a:xfrm>
+      </p:grpSpPr>
+      <p:sp>
+        <p:nvSpPr>
+          <p:cNvPr id="2" name="TextBox 1">
+            <a:extLst>
+              <a:ext uri="{FF2B5EF4-FFF2-40B4-BE49-F238E27FC236}">
+                <a16:creationId xmlns:a16="http://schemas.microsoft.com/office/drawing/2014/main" id="{0B332A50-CC0E-4C7E-B47E-E7CFBA7B423B}"/>
+              </a:ext>
+            </a:extLst>
+          </p:cNvPr>
+          <p:cNvSpPr txBox="1"/>
+          <p:nvPr/>
+        </p:nvSpPr>
+        <p:spPr>
+          <a:xfrm>
+            <a:off x="6712266" y="332656"/>
+            <a:ext cx="1646605" cy="584775"/>
+          </a:xfrm>
+          <a:prstGeom prst="rect">
+            <a:avLst/>
+          </a:prstGeom>
+          <a:noFill/>
+        </p:spPr>
+        <p:txBody>
+          <a:bodyPr wrap="none" rtlCol="0">
+            <a:spAutoFit/>
+          </a:bodyPr>
+          <a:lstStyle/>
+          <a:p>
+            <a:pPr algn="ctr"/>
+            <a:r>
+              <a:rPr lang="ko-KR" altLang="en-US" sz="3200" dirty="0">
+                <a:solidFill>
+                  <a:schemeClr val="accent6">
+                    <a:lumMod val="75000"/>
+                  </a:schemeClr>
+                </a:solidFill>
+                <a:latin typeface="나눔바른고딕" panose="020B0603020101020101" pitchFamily="50" charset="-127"/>
+                <a:ea typeface="나눔바른고딕" panose="020B0603020101020101" pitchFamily="50" charset="-127"/>
+              </a:rPr>
+              <a:t>산술연산</a:t>
+            </a:r>
+            <a:endParaRPr lang="en-US" altLang="ko-KR" sz="3200" dirty="0">
+              <a:solidFill>
+                <a:schemeClr val="accent6">
+                  <a:lumMod val="75000"/>
+                </a:schemeClr>
+              </a:solidFill>
+              <a:latin typeface="나눔바른고딕" panose="020B0603020101020101" pitchFamily="50" charset="-127"/>
+              <a:ea typeface="나눔바른고딕" panose="020B0603020101020101" pitchFamily="50" charset="-127"/>
+            </a:endParaRPr>
+          </a:p>
+        </p:txBody>
+      </p:sp>
+      <p:sp>
+        <p:nvSpPr>
+          <p:cNvPr id="3" name="TextBox 2">
+            <a:extLst>
+              <a:ext uri="{FF2B5EF4-FFF2-40B4-BE49-F238E27FC236}">
+                <a16:creationId xmlns:a16="http://schemas.microsoft.com/office/drawing/2014/main" id="{20809AEA-E7C3-444B-A152-EAF6BD4C6576}"/>
+              </a:ext>
+            </a:extLst>
+          </p:cNvPr>
+          <p:cNvSpPr txBox="1"/>
+          <p:nvPr/>
+        </p:nvSpPr>
+        <p:spPr>
+          <a:xfrm>
+            <a:off x="519579" y="2708920"/>
+            <a:ext cx="1646605" cy="584775"/>
+          </a:xfrm>
+          <a:prstGeom prst="rect">
+            <a:avLst/>
+          </a:prstGeom>
+          <a:noFill/>
+        </p:spPr>
+        <p:txBody>
+          <a:bodyPr wrap="none" rtlCol="0">
+            <a:spAutoFit/>
+          </a:bodyPr>
+          <a:lstStyle/>
+          <a:p>
+            <a:pPr algn="ctr"/>
+            <a:r>
+              <a:rPr lang="ko-KR" altLang="en-US" sz="3200" dirty="0">
+                <a:solidFill>
+                  <a:schemeClr val="accent6">
+                    <a:lumMod val="75000"/>
+                  </a:schemeClr>
+                </a:solidFill>
+                <a:latin typeface="나눔바른고딕" panose="020B0603020101020101" pitchFamily="50" charset="-127"/>
+                <a:ea typeface="나눔바른고딕" panose="020B0603020101020101" pitchFamily="50" charset="-127"/>
+              </a:rPr>
+              <a:t>비교연산</a:t>
+            </a:r>
+            <a:endParaRPr lang="en-US" altLang="ko-KR" sz="3200" dirty="0">
+              <a:solidFill>
+                <a:schemeClr val="accent6">
+                  <a:lumMod val="75000"/>
+                </a:schemeClr>
+              </a:solidFill>
+              <a:latin typeface="나눔바른고딕" panose="020B0603020101020101" pitchFamily="50" charset="-127"/>
+              <a:ea typeface="나눔바른고딕" panose="020B0603020101020101" pitchFamily="50" charset="-127"/>
+            </a:endParaRPr>
+          </a:p>
+        </p:txBody>
+      </p:sp>
+      <p:sp>
+        <p:nvSpPr>
+          <p:cNvPr id="4" name="TextBox 3">
+            <a:extLst>
+              <a:ext uri="{FF2B5EF4-FFF2-40B4-BE49-F238E27FC236}">
+                <a16:creationId xmlns:a16="http://schemas.microsoft.com/office/drawing/2014/main" id="{BD6FAB86-A8CC-46C6-99CA-D381FE2EB4A2}"/>
+              </a:ext>
+            </a:extLst>
+          </p:cNvPr>
+          <p:cNvSpPr txBox="1"/>
+          <p:nvPr/>
+        </p:nvSpPr>
+        <p:spPr>
+          <a:xfrm>
+            <a:off x="6712266" y="2682854"/>
+            <a:ext cx="1646605" cy="584775"/>
+          </a:xfrm>
+          <a:prstGeom prst="rect">
+            <a:avLst/>
+          </a:prstGeom>
+          <a:noFill/>
+        </p:spPr>
+        <p:txBody>
+          <a:bodyPr wrap="none" rtlCol="0">
+            <a:spAutoFit/>
+          </a:bodyPr>
+          <a:lstStyle/>
+          <a:p>
+            <a:pPr algn="ctr"/>
+            <a:r>
+              <a:rPr lang="ko-KR" altLang="en-US" sz="3200" dirty="0">
+                <a:solidFill>
+                  <a:schemeClr val="accent6">
+                    <a:lumMod val="75000"/>
+                  </a:schemeClr>
+                </a:solidFill>
+                <a:latin typeface="나눔바른고딕" panose="020B0603020101020101" pitchFamily="50" charset="-127"/>
+                <a:ea typeface="나눔바른고딕" panose="020B0603020101020101" pitchFamily="50" charset="-127"/>
+              </a:rPr>
+              <a:t>논리연산</a:t>
+            </a:r>
+            <a:endParaRPr lang="en-US" altLang="ko-KR" sz="3200" dirty="0">
+              <a:solidFill>
+                <a:schemeClr val="accent6">
+                  <a:lumMod val="75000"/>
+                </a:schemeClr>
+              </a:solidFill>
+              <a:latin typeface="나눔바른고딕" panose="020B0603020101020101" pitchFamily="50" charset="-127"/>
+              <a:ea typeface="나눔바른고딕" panose="020B0603020101020101" pitchFamily="50" charset="-127"/>
+            </a:endParaRPr>
+          </a:p>
+        </p:txBody>
+      </p:sp>
+      <p:sp>
+        <p:nvSpPr>
+          <p:cNvPr id="5" name="TextBox 4">
+            <a:extLst>
+              <a:ext uri="{FF2B5EF4-FFF2-40B4-BE49-F238E27FC236}">
+                <a16:creationId xmlns:a16="http://schemas.microsoft.com/office/drawing/2014/main" id="{399472FB-F25E-447F-A1E2-A6EBBC4644A8}"/>
+              </a:ext>
+            </a:extLst>
+          </p:cNvPr>
+          <p:cNvSpPr txBox="1"/>
+          <p:nvPr/>
+        </p:nvSpPr>
+        <p:spPr>
+          <a:xfrm>
+            <a:off x="519578" y="332656"/>
+            <a:ext cx="1646605" cy="584775"/>
+          </a:xfrm>
+          <a:prstGeom prst="rect">
+            <a:avLst/>
+          </a:prstGeom>
+          <a:noFill/>
+        </p:spPr>
+        <p:txBody>
+          <a:bodyPr wrap="none" rtlCol="0">
+            <a:spAutoFit/>
+          </a:bodyPr>
+          <a:lstStyle/>
+          <a:p>
+            <a:pPr algn="ctr"/>
+            <a:r>
+              <a:rPr lang="ko-KR" altLang="en-US" sz="3200" dirty="0">
+                <a:solidFill>
+                  <a:schemeClr val="accent6">
+                    <a:lumMod val="75000"/>
+                  </a:schemeClr>
+                </a:solidFill>
+                <a:latin typeface="나눔바른고딕" panose="020B0603020101020101" pitchFamily="50" charset="-127"/>
+                <a:ea typeface="나눔바른고딕" panose="020B0603020101020101" pitchFamily="50" charset="-127"/>
+              </a:rPr>
+              <a:t>대입연산</a:t>
+            </a:r>
+            <a:endParaRPr lang="en-US" altLang="ko-KR" sz="3200" dirty="0">
+              <a:solidFill>
+                <a:schemeClr val="accent6">
+                  <a:lumMod val="75000"/>
+                </a:schemeClr>
+              </a:solidFill>
+              <a:latin typeface="나눔바른고딕" panose="020B0603020101020101" pitchFamily="50" charset="-127"/>
+              <a:ea typeface="나눔바른고딕" panose="020B0603020101020101" pitchFamily="50" charset="-127"/>
+            </a:endParaRPr>
+          </a:p>
+        </p:txBody>
+      </p:sp>
+      <p:sp>
+        <p:nvSpPr>
+          <p:cNvPr id="6" name="TextBox 5">
+            <a:extLst>
+              <a:ext uri="{FF2B5EF4-FFF2-40B4-BE49-F238E27FC236}">
+                <a16:creationId xmlns:a16="http://schemas.microsoft.com/office/drawing/2014/main" id="{8CBCDEAB-02D4-4234-A66A-77BBA41F86AD}"/>
+              </a:ext>
+            </a:extLst>
+          </p:cNvPr>
+          <p:cNvSpPr txBox="1"/>
+          <p:nvPr/>
+        </p:nvSpPr>
+        <p:spPr>
+          <a:xfrm>
+            <a:off x="407368" y="1124744"/>
+            <a:ext cx="4562467" cy="954107"/>
+          </a:xfrm>
+          <a:prstGeom prst="rect">
+            <a:avLst/>
+          </a:prstGeom>
+          <a:noFill/>
+        </p:spPr>
+        <p:txBody>
+          <a:bodyPr wrap="none" rtlCol="0">
+            <a:spAutoFit/>
+          </a:bodyPr>
+          <a:lstStyle/>
+          <a:p>
+            <a:r>
+              <a:rPr lang="en-US" altLang="ko-KR" sz="2800" dirty="0">
+                <a:solidFill>
+                  <a:schemeClr val="bg1">
+                    <a:lumMod val="95000"/>
+                  </a:schemeClr>
+                </a:solidFill>
+                <a:latin typeface="나눔바른고딕" panose="020B0603020101020101" pitchFamily="50" charset="-127"/>
+                <a:ea typeface="나눔바른고딕" panose="020B0603020101020101" pitchFamily="50" charset="-127"/>
+              </a:rPr>
+              <a:t>-</a:t>
+            </a:r>
+            <a:r>
+              <a:rPr lang="ko-KR" altLang="en-US" sz="2800" dirty="0">
+                <a:solidFill>
+                  <a:schemeClr val="bg1">
+                    <a:lumMod val="95000"/>
+                  </a:schemeClr>
+                </a:solidFill>
+                <a:latin typeface="나눔바른고딕" panose="020B0603020101020101" pitchFamily="50" charset="-127"/>
+                <a:ea typeface="나눔바른고딕" panose="020B0603020101020101" pitchFamily="50" charset="-127"/>
+              </a:rPr>
+              <a:t>변수에 데이터를 저장하는 것</a:t>
+            </a:r>
+            <a:endParaRPr lang="en-US" altLang="ko-KR" sz="2800" dirty="0">
+              <a:solidFill>
+                <a:schemeClr val="bg1">
+                  <a:lumMod val="95000"/>
+                </a:schemeClr>
+              </a:solidFill>
+              <a:latin typeface="나눔바른고딕" panose="020B0603020101020101" pitchFamily="50" charset="-127"/>
+              <a:ea typeface="나눔바른고딕" panose="020B0603020101020101" pitchFamily="50" charset="-127"/>
+            </a:endParaRPr>
+          </a:p>
+          <a:p>
+            <a:r>
+              <a:rPr lang="en-US" altLang="ko-KR" sz="2800" dirty="0">
+                <a:solidFill>
+                  <a:schemeClr val="bg1">
+                    <a:lumMod val="95000"/>
+                  </a:schemeClr>
+                </a:solidFill>
+                <a:latin typeface="나눔바른고딕" panose="020B0603020101020101" pitchFamily="50" charset="-127"/>
+                <a:ea typeface="나눔바른고딕" panose="020B0603020101020101" pitchFamily="50" charset="-127"/>
+              </a:rPr>
+              <a:t>ex) name</a:t>
+            </a:r>
+            <a:r>
+              <a:rPr lang="ko-KR" altLang="en-US" sz="2800" dirty="0">
+                <a:solidFill>
+                  <a:schemeClr val="bg1">
+                    <a:lumMod val="95000"/>
+                  </a:schemeClr>
+                </a:solidFill>
+                <a:latin typeface="나눔바른고딕" panose="020B0603020101020101" pitchFamily="50" charset="-127"/>
+                <a:ea typeface="나눔바른고딕" panose="020B0603020101020101" pitchFamily="50" charset="-127"/>
+              </a:rPr>
+              <a:t> </a:t>
+            </a:r>
+            <a:r>
+              <a:rPr lang="en-US" altLang="ko-KR" sz="2800" dirty="0">
+                <a:solidFill>
+                  <a:schemeClr val="bg1">
+                    <a:lumMod val="95000"/>
+                  </a:schemeClr>
+                </a:solidFill>
+                <a:latin typeface="나눔바른고딕" panose="020B0603020101020101" pitchFamily="50" charset="-127"/>
+                <a:ea typeface="나눔바른고딕" panose="020B0603020101020101" pitchFamily="50" charset="-127"/>
+              </a:rPr>
+              <a:t>=</a:t>
+            </a:r>
+            <a:r>
+              <a:rPr lang="ko-KR" altLang="en-US" sz="2800" dirty="0">
+                <a:solidFill>
+                  <a:schemeClr val="bg1">
+                    <a:lumMod val="95000"/>
+                  </a:schemeClr>
+                </a:solidFill>
+                <a:latin typeface="나눔바른고딕" panose="020B0603020101020101" pitchFamily="50" charset="-127"/>
+                <a:ea typeface="나눔바른고딕" panose="020B0603020101020101" pitchFamily="50" charset="-127"/>
+              </a:rPr>
+              <a:t> </a:t>
+            </a:r>
+            <a:r>
+              <a:rPr lang="en-US" altLang="ko-KR" sz="2800" dirty="0">
+                <a:solidFill>
+                  <a:schemeClr val="bg1">
+                    <a:lumMod val="95000"/>
+                  </a:schemeClr>
+                </a:solidFill>
+                <a:latin typeface="나눔바른고딕" panose="020B0603020101020101" pitchFamily="50" charset="-127"/>
+                <a:ea typeface="나눔바른고딕" panose="020B0603020101020101" pitchFamily="50" charset="-127"/>
+              </a:rPr>
+              <a:t>"</a:t>
+            </a:r>
+            <a:r>
+              <a:rPr lang="ko-KR" altLang="en-US" sz="2800" dirty="0">
+                <a:solidFill>
+                  <a:schemeClr val="bg1">
+                    <a:lumMod val="95000"/>
+                  </a:schemeClr>
+                </a:solidFill>
+                <a:latin typeface="나눔바른고딕" panose="020B0603020101020101" pitchFamily="50" charset="-127"/>
+                <a:ea typeface="나눔바른고딕" panose="020B0603020101020101" pitchFamily="50" charset="-127"/>
+              </a:rPr>
+              <a:t>스타트코딩</a:t>
+            </a:r>
+            <a:r>
+              <a:rPr lang="en-US" altLang="ko-KR" sz="2800" dirty="0">
+                <a:solidFill>
+                  <a:schemeClr val="bg1">
+                    <a:lumMod val="95000"/>
+                  </a:schemeClr>
+                </a:solidFill>
+                <a:latin typeface="나눔바른고딕" panose="020B0603020101020101" pitchFamily="50" charset="-127"/>
+                <a:ea typeface="나눔바른고딕" panose="020B0603020101020101" pitchFamily="50" charset="-127"/>
+              </a:rPr>
+              <a:t>"</a:t>
+            </a:r>
+          </a:p>
+        </p:txBody>
+      </p:sp>
+      <p:sp>
+        <p:nvSpPr>
+          <p:cNvPr id="7" name="TextBox 6">
+            <a:extLst>
+              <a:ext uri="{FF2B5EF4-FFF2-40B4-BE49-F238E27FC236}">
+                <a16:creationId xmlns:a16="http://schemas.microsoft.com/office/drawing/2014/main" id="{C8D0A340-93F8-4FA3-9A44-FDB4EE54DCFD}"/>
+              </a:ext>
+            </a:extLst>
+          </p:cNvPr>
+          <p:cNvSpPr txBox="1"/>
+          <p:nvPr/>
+        </p:nvSpPr>
+        <p:spPr>
+          <a:xfrm>
+            <a:off x="6672064" y="1124744"/>
+            <a:ext cx="4560864" cy="954107"/>
+          </a:xfrm>
+          <a:prstGeom prst="rect">
+            <a:avLst/>
+          </a:prstGeom>
+          <a:noFill/>
+        </p:spPr>
+        <p:txBody>
+          <a:bodyPr wrap="none" rtlCol="0">
+            <a:spAutoFit/>
+          </a:bodyPr>
+          <a:lstStyle/>
+          <a:p>
+            <a:r>
+              <a:rPr lang="ko-KR" altLang="en-US" sz="2800" dirty="0">
+                <a:solidFill>
+                  <a:schemeClr val="bg1">
+                    <a:lumMod val="95000"/>
+                  </a:schemeClr>
+                </a:solidFill>
+                <a:latin typeface="나눔바른고딕" panose="020B0603020101020101" pitchFamily="50" charset="-127"/>
+                <a:ea typeface="나눔바른고딕" panose="020B0603020101020101" pitchFamily="50" charset="-127"/>
+              </a:rPr>
+              <a:t>숫자연산</a:t>
+            </a:r>
+            <a:r>
+              <a:rPr lang="en-US" altLang="ko-KR" sz="2800" dirty="0">
+                <a:solidFill>
+                  <a:schemeClr val="bg1">
+                    <a:lumMod val="95000"/>
+                  </a:schemeClr>
+                </a:solidFill>
+                <a:latin typeface="나눔바른고딕" panose="020B0603020101020101" pitchFamily="50" charset="-127"/>
+                <a:ea typeface="나눔바른고딕" panose="020B0603020101020101" pitchFamily="50" charset="-127"/>
+              </a:rPr>
+              <a:t>: </a:t>
+            </a:r>
+            <a:r>
+              <a:rPr lang="ko-KR" altLang="en-US" sz="2800" dirty="0">
+                <a:solidFill>
+                  <a:schemeClr val="bg1">
+                    <a:lumMod val="95000"/>
+                  </a:schemeClr>
+                </a:solidFill>
+                <a:latin typeface="나눔바른고딕" panose="020B0603020101020101" pitchFamily="50" charset="-127"/>
+                <a:ea typeface="나눔바른고딕" panose="020B0603020101020101" pitchFamily="50" charset="-127"/>
+              </a:rPr>
+              <a:t>사칙연산</a:t>
+            </a:r>
+            <a:r>
+              <a:rPr lang="en-US" altLang="ko-KR" sz="2800" dirty="0">
+                <a:solidFill>
+                  <a:schemeClr val="bg1">
+                    <a:lumMod val="95000"/>
+                  </a:schemeClr>
+                </a:solidFill>
+                <a:latin typeface="나눔바른고딕" panose="020B0603020101020101" pitchFamily="50" charset="-127"/>
+                <a:ea typeface="나눔바른고딕" panose="020B0603020101020101" pitchFamily="50" charset="-127"/>
+              </a:rPr>
+              <a:t>(+, -, * ,/)</a:t>
+            </a:r>
+          </a:p>
+          <a:p>
+            <a:r>
+              <a:rPr lang="ko-KR" altLang="en-US" sz="2800" dirty="0">
+                <a:solidFill>
+                  <a:schemeClr val="bg1">
+                    <a:lumMod val="95000"/>
+                  </a:schemeClr>
+                </a:solidFill>
+                <a:latin typeface="나눔바른고딕" panose="020B0603020101020101" pitchFamily="50" charset="-127"/>
+                <a:ea typeface="나눔바른고딕" panose="020B0603020101020101" pitchFamily="50" charset="-127"/>
+              </a:rPr>
+              <a:t>문자열연산</a:t>
+            </a:r>
+            <a:r>
+              <a:rPr lang="en-US" altLang="ko-KR" sz="2800" dirty="0">
+                <a:solidFill>
+                  <a:schemeClr val="bg1">
+                    <a:lumMod val="95000"/>
+                  </a:schemeClr>
+                </a:solidFill>
+                <a:latin typeface="나눔바른고딕" panose="020B0603020101020101" pitchFamily="50" charset="-127"/>
+                <a:ea typeface="나눔바른고딕" panose="020B0603020101020101" pitchFamily="50" charset="-127"/>
+              </a:rPr>
+              <a:t>: (+, *)</a:t>
+            </a:r>
+          </a:p>
+        </p:txBody>
+      </p:sp>
+      <p:graphicFrame>
+        <p:nvGraphicFramePr>
+          <p:cNvPr id="8" name="표 7">
+            <a:extLst>
+              <a:ext uri="{FF2B5EF4-FFF2-40B4-BE49-F238E27FC236}">
+                <a16:creationId xmlns:a16="http://schemas.microsoft.com/office/drawing/2014/main" id="{436BD496-09AE-4B1F-A00B-C7C8BADCF5F0}"/>
+              </a:ext>
+            </a:extLst>
+          </p:cNvPr>
+          <p:cNvGraphicFramePr>
+            <a:graphicFrameLocks noGrp="1"/>
+          </p:cNvGraphicFramePr>
+          <p:nvPr>
+            <p:extLst>
+              <p:ext uri="{D42A27DB-BD31-4B8C-83A1-F6EECF244321}">
+                <p14:modId xmlns:p14="http://schemas.microsoft.com/office/powerpoint/2010/main" val="2938992741"/>
+              </p:ext>
+            </p:extLst>
+          </p:nvPr>
+        </p:nvGraphicFramePr>
+        <p:xfrm>
+          <a:off x="551384" y="3717032"/>
+          <a:ext cx="5016388" cy="2346960"/>
+        </p:xfrm>
+        <a:graphic>
+          <a:graphicData uri="http://schemas.openxmlformats.org/drawingml/2006/table">
+            <a:tbl>
+              <a:tblPr firstRow="1" bandRow="1">
+                <a:tableStyleId>{5C22544A-7EE6-4342-B048-85BDC9FD1C3A}</a:tableStyleId>
+              </a:tblPr>
+              <a:tblGrid>
+                <a:gridCol w="2508194">
+                  <a:extLst>
+                    <a:ext uri="{9D8B030D-6E8A-4147-A177-3AD203B41FA5}">
+                      <a16:colId xmlns:a16="http://schemas.microsoft.com/office/drawing/2014/main" val="20000"/>
+                    </a:ext>
+                  </a:extLst>
+                </a:gridCol>
+                <a:gridCol w="2508194">
+                  <a:extLst>
+                    <a:ext uri="{9D8B030D-6E8A-4147-A177-3AD203B41FA5}">
+                      <a16:colId xmlns:a16="http://schemas.microsoft.com/office/drawing/2014/main" val="20001"/>
+                    </a:ext>
+                  </a:extLst>
+                </a:gridCol>
+              </a:tblGrid>
+              <a:tr h="294956">
+                <a:tc>
+                  <a:txBody>
+                    <a:bodyPr/>
+                    <a:lstStyle/>
+                    <a:p>
+                      <a:pPr algn="ctr" latinLnBrk="1"/>
+                      <a:r>
+                        <a:rPr lang="ko-KR" altLang="en-US" sz="1600" dirty="0"/>
+                        <a:t>연산자</a:t>
+                      </a:r>
+                      <a:r>
+                        <a:rPr lang="en-US" altLang="ko-KR" sz="1600" dirty="0"/>
+                        <a:t>(</a:t>
+                      </a:r>
+                      <a:r>
+                        <a:rPr lang="ko-KR" altLang="en-US" sz="1600" dirty="0"/>
+                        <a:t>연산기호</a:t>
+                      </a:r>
+                      <a:r>
+                        <a:rPr lang="en-US" altLang="ko-KR" sz="1600" dirty="0"/>
+                        <a:t>)</a:t>
+                      </a:r>
+                      <a:endParaRPr lang="ko-KR" altLang="en-US" sz="1600" dirty="0"/>
+                    </a:p>
+                  </a:txBody>
+                  <a:tcPr/>
+                </a:tc>
+                <a:tc>
+                  <a:txBody>
+                    <a:bodyPr/>
+                    <a:lstStyle/>
+                    <a:p>
+                      <a:pPr algn="ctr" latinLnBrk="1"/>
+                      <a:r>
+                        <a:rPr lang="ko-KR" altLang="en-US" sz="1600" dirty="0"/>
+                        <a:t>설명</a:t>
+                      </a:r>
+                      <a:r>
+                        <a:rPr lang="en-US" altLang="ko-KR" sz="1600" dirty="0"/>
+                        <a:t>(</a:t>
+                      </a:r>
+                      <a:r>
+                        <a:rPr lang="ko-KR" altLang="en-US" sz="1600" dirty="0"/>
+                        <a:t>왼쪽이 오른쪽보다</a:t>
+                      </a:r>
+                      <a:r>
+                        <a:rPr lang="en-US" altLang="ko-KR" sz="1600" dirty="0"/>
+                        <a:t>)</a:t>
+                      </a:r>
+                      <a:endParaRPr lang="ko-KR" altLang="en-US" sz="1600" dirty="0"/>
+                    </a:p>
+                  </a:txBody>
+                  <a:tcPr/>
+                </a:tc>
+                <a:extLst>
+                  <a:ext uri="{0D108BD9-81ED-4DB2-BD59-A6C34878D82A}">
+                    <a16:rowId xmlns:a16="http://schemas.microsoft.com/office/drawing/2014/main" val="10000"/>
+                  </a:ext>
+                </a:extLst>
+              </a:tr>
+              <a:tr h="294956">
+                <a:tc>
+                  <a:txBody>
+                    <a:bodyPr/>
+                    <a:lstStyle/>
+                    <a:p>
+                      <a:pPr algn="ctr" latinLnBrk="1"/>
+                      <a:r>
+                        <a:rPr lang="en-US" altLang="ko-KR" sz="1600" dirty="0"/>
+                        <a:t>&gt;</a:t>
+                      </a:r>
+                      <a:endParaRPr lang="ko-KR" altLang="en-US" sz="1600" dirty="0"/>
+                    </a:p>
+                  </a:txBody>
+                  <a:tcPr/>
+                </a:tc>
+                <a:tc>
+                  <a:txBody>
+                    <a:bodyPr/>
+                    <a:lstStyle/>
+                    <a:p>
+                      <a:pPr algn="ctr" latinLnBrk="1"/>
+                      <a:r>
+                        <a:rPr lang="ko-KR" altLang="en-US" sz="1600" dirty="0"/>
+                        <a:t>크다</a:t>
+                      </a:r>
+                    </a:p>
+                  </a:txBody>
+                  <a:tcPr/>
+                </a:tc>
+                <a:extLst>
+                  <a:ext uri="{0D108BD9-81ED-4DB2-BD59-A6C34878D82A}">
+                    <a16:rowId xmlns:a16="http://schemas.microsoft.com/office/drawing/2014/main" val="10001"/>
+                  </a:ext>
+                </a:extLst>
+              </a:tr>
+              <a:tr h="294956">
+                <a:tc>
+                  <a:txBody>
+                    <a:bodyPr/>
+                    <a:lstStyle/>
+                    <a:p>
+                      <a:pPr algn="ctr" latinLnBrk="1"/>
+                      <a:r>
+                        <a:rPr lang="en-US" altLang="ko-KR" sz="1600" dirty="0"/>
+                        <a:t>&lt;</a:t>
+                      </a:r>
+                      <a:endParaRPr lang="ko-KR" altLang="en-US" sz="1600" dirty="0"/>
+                    </a:p>
+                  </a:txBody>
+                  <a:tcPr/>
+                </a:tc>
+                <a:tc>
+                  <a:txBody>
+                    <a:bodyPr/>
+                    <a:lstStyle/>
+                    <a:p>
+                      <a:pPr algn="ctr" latinLnBrk="1"/>
+                      <a:r>
+                        <a:rPr lang="ko-KR" altLang="en-US" sz="1600" dirty="0"/>
+                        <a:t>작다</a:t>
+                      </a:r>
+                    </a:p>
+                  </a:txBody>
+                  <a:tcPr/>
+                </a:tc>
+                <a:extLst>
+                  <a:ext uri="{0D108BD9-81ED-4DB2-BD59-A6C34878D82A}">
+                    <a16:rowId xmlns:a16="http://schemas.microsoft.com/office/drawing/2014/main" val="10002"/>
+                  </a:ext>
+                </a:extLst>
+              </a:tr>
+              <a:tr h="294956">
+                <a:tc>
+                  <a:txBody>
+                    <a:bodyPr/>
+                    <a:lstStyle/>
+                    <a:p>
+                      <a:pPr algn="ctr" latinLnBrk="1"/>
+                      <a:r>
+                        <a:rPr lang="en-US" altLang="ko-KR" sz="1600" dirty="0"/>
+                        <a:t>&gt;=</a:t>
+                      </a:r>
+                      <a:endParaRPr lang="ko-KR" altLang="en-US" sz="1600" dirty="0"/>
+                    </a:p>
+                  </a:txBody>
+                  <a:tcPr/>
+                </a:tc>
+                <a:tc>
+                  <a:txBody>
+                    <a:bodyPr/>
+                    <a:lstStyle/>
+                    <a:p>
+                      <a:pPr algn="ctr" latinLnBrk="1"/>
+                      <a:r>
+                        <a:rPr lang="ko-KR" altLang="en-US" sz="1600" dirty="0"/>
+                        <a:t>크거나 같다</a:t>
+                      </a:r>
+                    </a:p>
+                  </a:txBody>
+                  <a:tcPr/>
+                </a:tc>
+                <a:extLst>
+                  <a:ext uri="{0D108BD9-81ED-4DB2-BD59-A6C34878D82A}">
+                    <a16:rowId xmlns:a16="http://schemas.microsoft.com/office/drawing/2014/main" val="10003"/>
+                  </a:ext>
+                </a:extLst>
+              </a:tr>
+              <a:tr h="294956">
+                <a:tc>
+                  <a:txBody>
+                    <a:bodyPr/>
+                    <a:lstStyle/>
+                    <a:p>
+                      <a:pPr algn="ctr" latinLnBrk="1"/>
+                      <a:r>
+                        <a:rPr lang="en-US" altLang="ko-KR" sz="1600" dirty="0"/>
+                        <a:t>&lt;=</a:t>
+                      </a:r>
+                      <a:endParaRPr lang="ko-KR" altLang="en-US" sz="1600" dirty="0"/>
+                    </a:p>
+                  </a:txBody>
+                  <a:tcPr/>
+                </a:tc>
+                <a:tc>
+                  <a:txBody>
+                    <a:bodyPr/>
+                    <a:lstStyle/>
+                    <a:p>
+                      <a:pPr algn="ctr" latinLnBrk="1"/>
+                      <a:r>
+                        <a:rPr lang="ko-KR" altLang="en-US" sz="1600" dirty="0"/>
+                        <a:t>작거나 같다</a:t>
+                      </a:r>
+                    </a:p>
+                  </a:txBody>
+                  <a:tcPr/>
+                </a:tc>
+                <a:extLst>
+                  <a:ext uri="{0D108BD9-81ED-4DB2-BD59-A6C34878D82A}">
+                    <a16:rowId xmlns:a16="http://schemas.microsoft.com/office/drawing/2014/main" val="10004"/>
+                  </a:ext>
+                </a:extLst>
+              </a:tr>
+              <a:tr h="294956">
+                <a:tc>
+                  <a:txBody>
+                    <a:bodyPr/>
+                    <a:lstStyle/>
+                    <a:p>
+                      <a:pPr algn="ctr" latinLnBrk="1"/>
+                      <a:r>
+                        <a:rPr lang="en-US" altLang="ko-KR" sz="1600" dirty="0"/>
+                        <a:t>==</a:t>
+                      </a:r>
+                      <a:endParaRPr lang="ko-KR" altLang="en-US" sz="1600" dirty="0"/>
+                    </a:p>
+                  </a:txBody>
+                  <a:tcPr/>
+                </a:tc>
+                <a:tc>
+                  <a:txBody>
+                    <a:bodyPr/>
+                    <a:lstStyle/>
+                    <a:p>
+                      <a:pPr algn="ctr" latinLnBrk="1"/>
+                      <a:r>
+                        <a:rPr lang="ko-KR" altLang="en-US" sz="1600" dirty="0"/>
+                        <a:t>같다</a:t>
+                      </a:r>
+                    </a:p>
+                  </a:txBody>
+                  <a:tcPr/>
+                </a:tc>
+                <a:extLst>
+                  <a:ext uri="{0D108BD9-81ED-4DB2-BD59-A6C34878D82A}">
+                    <a16:rowId xmlns:a16="http://schemas.microsoft.com/office/drawing/2014/main" val="10005"/>
+                  </a:ext>
+                </a:extLst>
+              </a:tr>
+              <a:tr h="294956">
+                <a:tc>
+                  <a:txBody>
+                    <a:bodyPr/>
+                    <a:lstStyle/>
+                    <a:p>
+                      <a:pPr algn="ctr" latinLnBrk="1"/>
+                      <a:r>
+                        <a:rPr lang="en-US" altLang="ko-KR" sz="1600" dirty="0"/>
+                        <a:t>!=</a:t>
+                      </a:r>
+                      <a:endParaRPr lang="ko-KR" altLang="en-US" sz="1600" dirty="0"/>
+                    </a:p>
+                  </a:txBody>
+                  <a:tcPr/>
+                </a:tc>
+                <a:tc>
+                  <a:txBody>
+                    <a:bodyPr/>
+                    <a:lstStyle/>
+                    <a:p>
+                      <a:pPr algn="ctr" latinLnBrk="1"/>
+                      <a:r>
+                        <a:rPr lang="ko-KR" altLang="en-US" sz="1600" dirty="0"/>
+                        <a:t>다르다</a:t>
+                      </a:r>
+                    </a:p>
+                  </a:txBody>
+                  <a:tcPr/>
+                </a:tc>
+                <a:extLst>
+                  <a:ext uri="{0D108BD9-81ED-4DB2-BD59-A6C34878D82A}">
+                    <a16:rowId xmlns:a16="http://schemas.microsoft.com/office/drawing/2014/main" val="10006"/>
+                  </a:ext>
+                </a:extLst>
+              </a:tr>
+            </a:tbl>
+          </a:graphicData>
+        </a:graphic>
+      </p:graphicFrame>
+      <p:graphicFrame>
+        <p:nvGraphicFramePr>
+          <p:cNvPr id="9" name="표 8">
+            <a:extLst>
+              <a:ext uri="{FF2B5EF4-FFF2-40B4-BE49-F238E27FC236}">
+                <a16:creationId xmlns:a16="http://schemas.microsoft.com/office/drawing/2014/main" id="{6F9BA9D5-4044-4E9E-9DE1-61994919445F}"/>
+              </a:ext>
+            </a:extLst>
+          </p:cNvPr>
+          <p:cNvGraphicFramePr>
+            <a:graphicFrameLocks noGrp="1"/>
+          </p:cNvGraphicFramePr>
+          <p:nvPr>
+            <p:extLst>
+              <p:ext uri="{D42A27DB-BD31-4B8C-83A1-F6EECF244321}">
+                <p14:modId xmlns:p14="http://schemas.microsoft.com/office/powerpoint/2010/main" val="2575206175"/>
+              </p:ext>
+            </p:extLst>
+          </p:nvPr>
+        </p:nvGraphicFramePr>
+        <p:xfrm>
+          <a:off x="6744072" y="3708040"/>
+          <a:ext cx="5016388" cy="1524000"/>
+        </p:xfrm>
+        <a:graphic>
+          <a:graphicData uri="http://schemas.openxmlformats.org/drawingml/2006/table">
+            <a:tbl>
+              <a:tblPr firstRow="1" bandRow="1">
+                <a:tableStyleId>{5C22544A-7EE6-4342-B048-85BDC9FD1C3A}</a:tableStyleId>
+              </a:tblPr>
+              <a:tblGrid>
+                <a:gridCol w="2508194">
+                  <a:extLst>
+                    <a:ext uri="{9D8B030D-6E8A-4147-A177-3AD203B41FA5}">
+                      <a16:colId xmlns:a16="http://schemas.microsoft.com/office/drawing/2014/main" val="20000"/>
+                    </a:ext>
+                  </a:extLst>
+                </a:gridCol>
+                <a:gridCol w="2508194">
+                  <a:extLst>
+                    <a:ext uri="{9D8B030D-6E8A-4147-A177-3AD203B41FA5}">
+                      <a16:colId xmlns:a16="http://schemas.microsoft.com/office/drawing/2014/main" val="20001"/>
+                    </a:ext>
+                  </a:extLst>
+                </a:gridCol>
+              </a:tblGrid>
+              <a:tr h="258953">
+                <a:tc>
+                  <a:txBody>
+                    <a:bodyPr/>
+                    <a:lstStyle/>
+                    <a:p>
+                      <a:pPr algn="ctr" latinLnBrk="1"/>
+                      <a:r>
+                        <a:rPr lang="ko-KR" altLang="en-US" sz="1600" dirty="0"/>
+                        <a:t>연산자</a:t>
+                      </a:r>
+                    </a:p>
+                  </a:txBody>
+                  <a:tcPr/>
+                </a:tc>
+                <a:tc>
+                  <a:txBody>
+                    <a:bodyPr/>
+                    <a:lstStyle/>
+                    <a:p>
+                      <a:pPr algn="ctr" latinLnBrk="1"/>
+                      <a:r>
+                        <a:rPr lang="ko-KR" altLang="en-US" sz="1600" dirty="0"/>
+                        <a:t>설명</a:t>
+                      </a:r>
+                    </a:p>
+                  </a:txBody>
+                  <a:tcPr/>
+                </a:tc>
+                <a:extLst>
+                  <a:ext uri="{0D108BD9-81ED-4DB2-BD59-A6C34878D82A}">
+                    <a16:rowId xmlns:a16="http://schemas.microsoft.com/office/drawing/2014/main" val="10000"/>
+                  </a:ext>
+                </a:extLst>
+              </a:tr>
+              <a:tr h="258953">
+                <a:tc>
+                  <a:txBody>
+                    <a:bodyPr/>
+                    <a:lstStyle/>
+                    <a:p>
+                      <a:pPr algn="ctr" latinLnBrk="1"/>
+                      <a:r>
+                        <a:rPr lang="en-US" altLang="ko-KR" sz="1600" dirty="0"/>
+                        <a:t>A and B</a:t>
+                      </a:r>
+                      <a:endParaRPr lang="ko-KR" altLang="en-US" sz="1600" dirty="0"/>
+                    </a:p>
+                  </a:txBody>
+                  <a:tcPr/>
+                </a:tc>
+                <a:tc>
+                  <a:txBody>
+                    <a:bodyPr/>
+                    <a:lstStyle/>
+                    <a:p>
+                      <a:pPr algn="ctr" latinLnBrk="1"/>
+                      <a:r>
+                        <a:rPr lang="en-US" altLang="ko-KR" sz="1400" dirty="0"/>
+                        <a:t>A,B</a:t>
+                      </a:r>
+                      <a:r>
+                        <a:rPr lang="ko-KR" altLang="en-US" sz="1400" dirty="0"/>
+                        <a:t> 모두 참이라면 </a:t>
+                      </a:r>
+                      <a:r>
+                        <a:rPr lang="en-US" altLang="ko-KR" sz="1400" dirty="0"/>
+                        <a:t>True</a:t>
+                      </a:r>
+                      <a:endParaRPr lang="ko-KR" altLang="en-US" sz="1400" dirty="0"/>
+                    </a:p>
+                  </a:txBody>
+                  <a:tcPr/>
+                </a:tc>
+                <a:extLst>
+                  <a:ext uri="{0D108BD9-81ED-4DB2-BD59-A6C34878D82A}">
+                    <a16:rowId xmlns:a16="http://schemas.microsoft.com/office/drawing/2014/main" val="10001"/>
+                  </a:ext>
+                </a:extLst>
+              </a:tr>
+              <a:tr h="258953">
+                <a:tc>
+                  <a:txBody>
+                    <a:bodyPr/>
+                    <a:lstStyle/>
+                    <a:p>
+                      <a:pPr algn="ctr" latinLnBrk="1"/>
+                      <a:r>
+                        <a:rPr lang="en-US" altLang="ko-KR" sz="1600" dirty="0"/>
+                        <a:t>A or B</a:t>
+                      </a:r>
+                      <a:endParaRPr lang="ko-KR" altLang="en-US" sz="1600" dirty="0"/>
+                    </a:p>
+                  </a:txBody>
+                  <a:tcPr/>
+                </a:tc>
+                <a:tc>
+                  <a:txBody>
+                    <a:bodyPr/>
+                    <a:lstStyle/>
+                    <a:p>
+                      <a:pPr algn="ctr" latinLnBrk="1"/>
+                      <a:r>
+                        <a:rPr lang="en-US" altLang="ko-KR" sz="1400" dirty="0"/>
+                        <a:t>A,B </a:t>
+                      </a:r>
+                      <a:r>
+                        <a:rPr lang="ko-KR" altLang="en-US" sz="1400" dirty="0"/>
+                        <a:t>중 하나라도 참이라면 </a:t>
+                      </a:r>
+                      <a:r>
+                        <a:rPr lang="en-US" altLang="ko-KR" sz="1400" dirty="0"/>
+                        <a:t>True</a:t>
+                      </a:r>
+                      <a:endParaRPr lang="ko-KR" altLang="en-US" sz="1400" dirty="0"/>
+                    </a:p>
+                  </a:txBody>
+                  <a:tcPr/>
+                </a:tc>
+                <a:extLst>
+                  <a:ext uri="{0D108BD9-81ED-4DB2-BD59-A6C34878D82A}">
+                    <a16:rowId xmlns:a16="http://schemas.microsoft.com/office/drawing/2014/main" val="10002"/>
+                  </a:ext>
+                </a:extLst>
+              </a:tr>
+              <a:tr h="258953">
+                <a:tc>
+                  <a:txBody>
+                    <a:bodyPr/>
+                    <a:lstStyle/>
+                    <a:p>
+                      <a:pPr marL="0" marR="0" indent="0" algn="ctr" defTabSz="914400" rtl="0" eaLnBrk="1" fontAlgn="auto" latinLnBrk="1" hangingPunct="1">
+                        <a:lnSpc>
+                          <a:spcPct val="100000"/>
+                        </a:lnSpc>
+                        <a:spcBef>
+                          <a:spcPts val="0"/>
+                        </a:spcBef>
+                        <a:spcAft>
+                          <a:spcPts val="0"/>
+                        </a:spcAft>
+                        <a:buClrTx/>
+                        <a:buSzTx/>
+                        <a:buFontTx/>
+                        <a:buNone/>
+                        <a:tabLst/>
+                        <a:defRPr/>
+                      </a:pPr>
+                      <a:r>
+                        <a:rPr lang="en-US" altLang="ko-KR" sz="1600" dirty="0"/>
+                        <a:t>not A</a:t>
+                      </a:r>
+                      <a:endParaRPr lang="ko-KR" altLang="en-US" sz="1600" dirty="0">
+                        <a:solidFill>
+                          <a:schemeClr val="accent6"/>
+                        </a:solidFill>
+                      </a:endParaRPr>
+                    </a:p>
+                  </a:txBody>
+                  <a:tcPr/>
+                </a:tc>
+                <a:tc>
+                  <a:txBody>
+                    <a:bodyPr/>
+                    <a:lstStyle/>
+                    <a:p>
+                      <a:pPr algn="ctr" latinLnBrk="1"/>
+                      <a:r>
+                        <a:rPr lang="en-US" altLang="ko-KR" sz="1400" dirty="0">
+                          <a:solidFill>
+                            <a:schemeClr val="tx1"/>
+                          </a:solidFill>
+                        </a:rPr>
+                        <a:t>A</a:t>
+                      </a:r>
+                      <a:r>
+                        <a:rPr lang="ko-KR" altLang="en-US" sz="1400" dirty="0">
+                          <a:solidFill>
+                            <a:schemeClr val="tx1"/>
+                          </a:solidFill>
+                        </a:rPr>
+                        <a:t> 가 참이라면 </a:t>
+                      </a:r>
+                      <a:r>
+                        <a:rPr lang="en-US" altLang="ko-KR" sz="1400" dirty="0">
+                          <a:solidFill>
+                            <a:schemeClr val="tx1"/>
+                          </a:solidFill>
+                        </a:rPr>
+                        <a:t>False</a:t>
+                      </a:r>
+                      <a:endParaRPr lang="ko-KR" altLang="en-US" sz="1400" dirty="0">
+                        <a:solidFill>
+                          <a:schemeClr val="tx1"/>
+                        </a:solidFill>
+                      </a:endParaRPr>
+                    </a:p>
+                  </a:txBody>
+                  <a:tcPr/>
+                </a:tc>
+                <a:extLst>
+                  <a:ext uri="{0D108BD9-81ED-4DB2-BD59-A6C34878D82A}">
+                    <a16:rowId xmlns:a16="http://schemas.microsoft.com/office/drawing/2014/main" val="10003"/>
+                  </a:ext>
+                </a:extLst>
+              </a:tr>
+            </a:tbl>
+          </a:graphicData>
+        </a:graphic>
+      </p:graphicFrame>
+    </p:spTree>
+    <p:extLst>
+      <p:ext uri="{BB962C8B-B14F-4D97-AF65-F5344CB8AC3E}">
+        <p14:creationId xmlns:p14="http://schemas.microsoft.com/office/powerpoint/2010/main" val="1742825489"/>
+      </p:ext>
+    </p:extLst>
+  </p:cSld>
+  <p:clrMapOvr>
+    <a:masterClrMapping/>
+  </p:clrMapOvr>
+</p:sld>
+</file>
+
+<file path=ppt/slides/slide21.xml><?xml version="1.0" encoding="utf-8"?>
+<p:sld xmlns:a="http://schemas.openxmlformats.org/drawingml/2006/main" xmlns:r="http://schemas.openxmlformats.org/officeDocument/2006/relationships" xmlns:p="http://schemas.openxmlformats.org/presentationml/2006/main">
+  <p:cSld>
+    <p:bg>
+      <p:bgPr>
+        <a:solidFill>
+          <a:schemeClr val="tx1">
+            <a:lumMod val="85000"/>
+            <a:lumOff val="15000"/>
+          </a:schemeClr>
+        </a:solidFill>
+        <a:effectLst/>
+      </p:bgPr>
+    </p:bg>
+    <p:spTree>
+      <p:nvGrpSpPr>
+        <p:cNvPr id="1" name=""/>
+        <p:cNvGrpSpPr/>
+        <p:nvPr/>
+      </p:nvGrpSpPr>
+      <p:grpSpPr>
+        <a:xfrm>
+          <a:off x="0" y="0"/>
+          <a:ext cx="0" cy="0"/>
+          <a:chOff x="0" y="0"/>
+          <a:chExt cx="0" cy="0"/>
+        </a:xfrm>
+      </p:grpSpPr>
+      <p:sp>
+        <p:nvSpPr>
+          <p:cNvPr id="2" name="TextBox 1">
+            <a:extLst>
+              <a:ext uri="{FF2B5EF4-FFF2-40B4-BE49-F238E27FC236}">
+                <a16:creationId xmlns:a16="http://schemas.microsoft.com/office/drawing/2014/main" id="{0B332A50-CC0E-4C7E-B47E-E7CFBA7B423B}"/>
+              </a:ext>
+            </a:extLst>
+          </p:cNvPr>
+          <p:cNvSpPr txBox="1"/>
+          <p:nvPr/>
+        </p:nvSpPr>
+        <p:spPr>
+          <a:xfrm>
+            <a:off x="4849209" y="3073874"/>
+            <a:ext cx="2509020" cy="717440"/>
+          </a:xfrm>
+          <a:prstGeom prst="rect">
+            <a:avLst/>
+          </a:prstGeom>
+          <a:noFill/>
+        </p:spPr>
+        <p:txBody>
+          <a:bodyPr wrap="none" rtlCol="0">
+            <a:spAutoFit/>
+          </a:bodyPr>
+          <a:lstStyle/>
+          <a:p>
+            <a:r>
+              <a:rPr lang="ko-KR" altLang="en-US" sz="4062">
+                <a:solidFill>
+                  <a:schemeClr val="bg1"/>
+                </a:solidFill>
+                <a:latin typeface="나눔바른고딕" panose="020B0603020101020101" pitchFamily="50" charset="-127"/>
+                <a:ea typeface="나눔바른고딕" panose="020B0603020101020101" pitchFamily="50" charset="-127"/>
+              </a:rPr>
+              <a:t>감사합니다</a:t>
+            </a:r>
+            <a:endParaRPr lang="en-US" altLang="ko-KR" sz="4062" dirty="0">
+              <a:solidFill>
+                <a:schemeClr val="bg1"/>
+              </a:solidFill>
+              <a:latin typeface="나눔바른고딕" panose="020B0603020101020101" pitchFamily="50" charset="-127"/>
+              <a:ea typeface="나눔바른고딕" panose="020B0603020101020101" pitchFamily="50" charset="-127"/>
+            </a:endParaRPr>
+          </a:p>
+        </p:txBody>
+      </p:sp>
+    </p:spTree>
+    <p:extLst>
+      <p:ext uri="{BB962C8B-B14F-4D97-AF65-F5344CB8AC3E}">
+        <p14:creationId xmlns:p14="http://schemas.microsoft.com/office/powerpoint/2010/main" val="1178316166"/>
       </p:ext>
     </p:extLst>
   </p:cSld>
@@ -6180,7 +7124,7 @@
         </p:nvSpPr>
         <p:spPr>
           <a:xfrm>
-            <a:off x="5160487" y="2204864"/>
+            <a:off x="7241655" y="2054762"/>
             <a:ext cx="1871025" cy="660502"/>
           </a:xfrm>
           <a:prstGeom prst="rect">
@@ -6233,7 +7177,7 @@
         </p:nvSpPr>
         <p:spPr>
           <a:xfrm>
-            <a:off x="3289462" y="3992635"/>
+            <a:off x="3079321" y="4136651"/>
             <a:ext cx="1871026" cy="660502"/>
           </a:xfrm>
           <a:prstGeom prst="rect">
@@ -6286,7 +7230,7 @@
         </p:nvSpPr>
         <p:spPr>
           <a:xfrm>
-            <a:off x="7031512" y="3992635"/>
+            <a:off x="7241654" y="4136651"/>
             <a:ext cx="1871026" cy="660502"/>
           </a:xfrm>
           <a:prstGeom prst="rect">
@@ -6325,6 +7269,59 @@
           </a:p>
         </p:txBody>
       </p:sp>
+      <p:sp>
+        <p:nvSpPr>
+          <p:cNvPr id="5" name="TextBox 4">
+            <a:extLst>
+              <a:ext uri="{FF2B5EF4-FFF2-40B4-BE49-F238E27FC236}">
+                <a16:creationId xmlns:a16="http://schemas.microsoft.com/office/drawing/2014/main" id="{399472FB-F25E-447F-A1E2-A6EBBC4644A8}"/>
+              </a:ext>
+            </a:extLst>
+          </p:cNvPr>
+          <p:cNvSpPr txBox="1"/>
+          <p:nvPr/>
+        </p:nvSpPr>
+        <p:spPr>
+          <a:xfrm>
+            <a:off x="3079321" y="2060848"/>
+            <a:ext cx="1871026" cy="660502"/>
+          </a:xfrm>
+          <a:prstGeom prst="rect">
+            <a:avLst/>
+          </a:prstGeom>
+          <a:noFill/>
+        </p:spPr>
+        <p:txBody>
+          <a:bodyPr wrap="none" rtlCol="0">
+            <a:spAutoFit/>
+          </a:bodyPr>
+          <a:lstStyle/>
+          <a:p>
+            <a:pPr algn="ctr"/>
+            <a:r>
+              <a:rPr lang="ko-KR" altLang="en-US" sz="3692" dirty="0">
+                <a:solidFill>
+                  <a:schemeClr val="bg1">
+                    <a:lumMod val="95000"/>
+                  </a:schemeClr>
+                </a:solidFill>
+                <a:latin typeface="나눔바른고딕" panose="020B0603020101020101" pitchFamily="50" charset="-127"/>
+                <a:ea typeface="나눔바른고딕" panose="020B0603020101020101" pitchFamily="50" charset="-127"/>
+              </a:rPr>
+              <a:t>대입연산</a:t>
+            </a:r>
+            <a:endParaRPr lang="en-US" altLang="ko-KR" sz="3692" dirty="0">
+              <a:solidFill>
+                <a:schemeClr val="bg1">
+                  <a:lumMod val="95000"/>
+                </a:schemeClr>
+              </a:solidFill>
+              <a:latin typeface="나눔바른고딕" panose="020B0603020101020101" pitchFamily="50" charset="-127"/>
+              <a:ea typeface="나눔바른고딕" panose="020B0603020101020101" pitchFamily="50" charset="-127"/>
+            </a:endParaRPr>
+          </a:p>
+        </p:txBody>
+      </p:sp>
     </p:spTree>
     <p:extLst>
       <p:ext uri="{BB962C8B-B14F-4D97-AF65-F5344CB8AC3E}">
@@ -6335,6 +7332,176 @@
   <p:clrMapOvr>
     <a:masterClrMapping/>
   </p:clrMapOvr>
+  <p:timing>
+    <p:tnLst>
+      <p:par>
+        <p:cTn id="1" dur="indefinite" restart="never" nodeType="tmRoot">
+          <p:childTnLst>
+            <p:seq concurrent="1" nextAc="seek">
+              <p:cTn id="2" dur="indefinite" nodeType="mainSeq">
+                <p:childTnLst>
+                  <p:par>
+                    <p:cTn id="3" fill="hold">
+                      <p:stCondLst>
+                        <p:cond delay="indefinite"/>
+                      </p:stCondLst>
+                      <p:childTnLst>
+                        <p:par>
+                          <p:cTn id="4" fill="hold">
+                            <p:stCondLst>
+                              <p:cond delay="0"/>
+                            </p:stCondLst>
+                            <p:childTnLst>
+                              <p:par>
+                                <p:cTn id="5" presetID="1" presetClass="entr" presetSubtype="0" fill="hold" grpId="0" nodeType="clickEffect">
+                                  <p:stCondLst>
+                                    <p:cond delay="0"/>
+                                  </p:stCondLst>
+                                  <p:childTnLst>
+                                    <p:set>
+                                      <p:cBhvr>
+                                        <p:cTn id="6" dur="1" fill="hold">
+                                          <p:stCondLst>
+                                            <p:cond delay="0"/>
+                                          </p:stCondLst>
+                                        </p:cTn>
+                                        <p:tgtEl>
+                                          <p:spTgt spid="2"/>
+                                        </p:tgtEl>
+                                        <p:attrNameLst>
+                                          <p:attrName>style.visibility</p:attrName>
+                                        </p:attrNameLst>
+                                      </p:cBhvr>
+                                      <p:to>
+                                        <p:strVal val="visible"/>
+                                      </p:to>
+                                    </p:set>
+                                  </p:childTnLst>
+                                </p:cTn>
+                              </p:par>
+                            </p:childTnLst>
+                          </p:cTn>
+                        </p:par>
+                      </p:childTnLst>
+                    </p:cTn>
+                  </p:par>
+                  <p:par>
+                    <p:cTn id="7" fill="hold">
+                      <p:stCondLst>
+                        <p:cond delay="indefinite"/>
+                      </p:stCondLst>
+                      <p:childTnLst>
+                        <p:par>
+                          <p:cTn id="8" fill="hold">
+                            <p:stCondLst>
+                              <p:cond delay="0"/>
+                            </p:stCondLst>
+                            <p:childTnLst>
+                              <p:par>
+                                <p:cTn id="9" presetID="1" presetClass="entr" presetSubtype="0" fill="hold" grpId="0" nodeType="clickEffect">
+                                  <p:stCondLst>
+                                    <p:cond delay="0"/>
+                                  </p:stCondLst>
+                                  <p:childTnLst>
+                                    <p:set>
+                                      <p:cBhvr>
+                                        <p:cTn id="10" dur="1" fill="hold">
+                                          <p:stCondLst>
+                                            <p:cond delay="0"/>
+                                          </p:stCondLst>
+                                        </p:cTn>
+                                        <p:tgtEl>
+                                          <p:spTgt spid="3"/>
+                                        </p:tgtEl>
+                                        <p:attrNameLst>
+                                          <p:attrName>style.visibility</p:attrName>
+                                        </p:attrNameLst>
+                                      </p:cBhvr>
+                                      <p:to>
+                                        <p:strVal val="visible"/>
+                                      </p:to>
+                                    </p:set>
+                                  </p:childTnLst>
+                                </p:cTn>
+                              </p:par>
+                            </p:childTnLst>
+                          </p:cTn>
+                        </p:par>
+                      </p:childTnLst>
+                    </p:cTn>
+                  </p:par>
+                  <p:par>
+                    <p:cTn id="11" fill="hold">
+                      <p:stCondLst>
+                        <p:cond delay="indefinite"/>
+                      </p:stCondLst>
+                      <p:childTnLst>
+                        <p:par>
+                          <p:cTn id="12" fill="hold">
+                            <p:stCondLst>
+                              <p:cond delay="0"/>
+                            </p:stCondLst>
+                            <p:childTnLst>
+                              <p:par>
+                                <p:cTn id="13" presetID="1" presetClass="entr" presetSubtype="0" fill="hold" grpId="0" nodeType="clickEffect">
+                                  <p:stCondLst>
+                                    <p:cond delay="0"/>
+                                  </p:stCondLst>
+                                  <p:childTnLst>
+                                    <p:set>
+                                      <p:cBhvr>
+                                        <p:cTn id="14" dur="1" fill="hold">
+                                          <p:stCondLst>
+                                            <p:cond delay="0"/>
+                                          </p:stCondLst>
+                                        </p:cTn>
+                                        <p:tgtEl>
+                                          <p:spTgt spid="4"/>
+                                        </p:tgtEl>
+                                        <p:attrNameLst>
+                                          <p:attrName>style.visibility</p:attrName>
+                                        </p:attrNameLst>
+                                      </p:cBhvr>
+                                      <p:to>
+                                        <p:strVal val="visible"/>
+                                      </p:to>
+                                    </p:set>
+                                  </p:childTnLst>
+                                </p:cTn>
+                              </p:par>
+                            </p:childTnLst>
+                          </p:cTn>
+                        </p:par>
+                      </p:childTnLst>
+                    </p:cTn>
+                  </p:par>
+                </p:childTnLst>
+              </p:cTn>
+              <p:prevCondLst>
+                <p:cond evt="onPrev" delay="0">
+                  <p:tgtEl>
+                    <p:sldTgt/>
+                  </p:tgtEl>
+                </p:cond>
+              </p:prevCondLst>
+              <p:nextCondLst>
+                <p:cond evt="onNext" delay="0">
+                  <p:tgtEl>
+                    <p:sldTgt/>
+                  </p:tgtEl>
+                </p:cond>
+              </p:nextCondLst>
+            </p:seq>
+          </p:childTnLst>
+        </p:cTn>
+      </p:par>
+    </p:tnLst>
+    <p:bldLst>
+      <p:bldP spid="2" grpId="0"/>
+      <p:bldP spid="3" grpId="0"/>
+      <p:bldP spid="4" grpId="0"/>
+    </p:bldLst>
+  </p:timing>
 </p:sld>
 </file>
 
@@ -6405,7 +7572,7 @@
                 <a:latin typeface="나눔바른고딕" panose="020B0603020101020101" pitchFamily="50" charset="-127"/>
                 <a:ea typeface="나눔바른고딕" panose="020B0603020101020101" pitchFamily="50" charset="-127"/>
               </a:rPr>
-              <a:t>산술연산</a:t>
+              <a:t>대입연산</a:t>
             </a:r>
             <a:endParaRPr lang="en-US" altLang="ko-KR" sz="3692" dirty="0">
               <a:solidFill>
@@ -6433,6 +7600,406 @@
 </file>
 
 <file path=ppt/slides/slide7.xml><?xml version="1.0" encoding="utf-8"?>
+<p:sld xmlns:a="http://schemas.openxmlformats.org/drawingml/2006/main" xmlns:r="http://schemas.openxmlformats.org/officeDocument/2006/relationships" xmlns:p="http://schemas.openxmlformats.org/presentationml/2006/main">
+  <p:cSld>
+    <p:bg>
+      <p:bgPr>
+        <a:solidFill>
+          <a:schemeClr val="tx1">
+            <a:lumMod val="85000"/>
+            <a:lumOff val="15000"/>
+          </a:schemeClr>
+        </a:solidFill>
+        <a:effectLst/>
+      </p:bgPr>
+    </p:bg>
+    <p:spTree>
+      <p:nvGrpSpPr>
+        <p:cNvPr id="1" name=""/>
+        <p:cNvGrpSpPr/>
+        <p:nvPr/>
+      </p:nvGrpSpPr>
+      <p:grpSpPr>
+        <a:xfrm>
+          <a:off x="0" y="0"/>
+          <a:ext cx="0" cy="0"/>
+          <a:chOff x="0" y="0"/>
+          <a:chExt cx="0" cy="0"/>
+        </a:xfrm>
+      </p:grpSpPr>
+      <p:sp>
+        <p:nvSpPr>
+          <p:cNvPr id="2" name="TextBox 1">
+            <a:extLst>
+              <a:ext uri="{FF2B5EF4-FFF2-40B4-BE49-F238E27FC236}">
+                <a16:creationId xmlns:a16="http://schemas.microsoft.com/office/drawing/2014/main" id="{0B332A50-CC0E-4C7E-B47E-E7CFBA7B423B}"/>
+              </a:ext>
+            </a:extLst>
+          </p:cNvPr>
+          <p:cNvSpPr txBox="1"/>
+          <p:nvPr/>
+        </p:nvSpPr>
+        <p:spPr>
+          <a:xfrm>
+            <a:off x="3959850" y="3102283"/>
+            <a:ext cx="4272324" cy="660502"/>
+          </a:xfrm>
+          <a:prstGeom prst="rect">
+            <a:avLst/>
+          </a:prstGeom>
+          <a:noFill/>
+        </p:spPr>
+        <p:txBody>
+          <a:bodyPr wrap="none" rtlCol="0">
+            <a:spAutoFit/>
+          </a:bodyPr>
+          <a:lstStyle/>
+          <a:p>
+            <a:pPr algn="ctr"/>
+            <a:r>
+              <a:rPr lang="en-US" altLang="ko-KR" sz="3692" dirty="0">
+                <a:solidFill>
+                  <a:schemeClr val="bg1">
+                    <a:lumMod val="95000"/>
+                  </a:schemeClr>
+                </a:solidFill>
+                <a:latin typeface="나눔바른고딕" panose="020B0603020101020101" pitchFamily="50" charset="-127"/>
+                <a:ea typeface="나눔바른고딕" panose="020B0603020101020101" pitchFamily="50" charset="-127"/>
+              </a:rPr>
+              <a:t>name = "</a:t>
+            </a:r>
+            <a:r>
+              <a:rPr lang="ko-KR" altLang="en-US" sz="3692" dirty="0">
+                <a:solidFill>
+                  <a:schemeClr val="bg1">
+                    <a:lumMod val="95000"/>
+                  </a:schemeClr>
+                </a:solidFill>
+                <a:latin typeface="나눔바른고딕" panose="020B0603020101020101" pitchFamily="50" charset="-127"/>
+                <a:ea typeface="나눔바른고딕" panose="020B0603020101020101" pitchFamily="50" charset="-127"/>
+              </a:rPr>
+              <a:t>스타트코딩</a:t>
+            </a:r>
+            <a:r>
+              <a:rPr lang="en-US" altLang="ko-KR" sz="3692" dirty="0">
+                <a:solidFill>
+                  <a:schemeClr val="bg1">
+                    <a:lumMod val="95000"/>
+                  </a:schemeClr>
+                </a:solidFill>
+                <a:latin typeface="나눔바른고딕" panose="020B0603020101020101" pitchFamily="50" charset="-127"/>
+                <a:ea typeface="나눔바른고딕" panose="020B0603020101020101" pitchFamily="50" charset="-127"/>
+              </a:rPr>
+              <a:t>"</a:t>
+            </a:r>
+          </a:p>
+        </p:txBody>
+      </p:sp>
+      <p:cxnSp>
+        <p:nvCxnSpPr>
+          <p:cNvPr id="4" name="직선 화살표 연결선 3">
+            <a:extLst>
+              <a:ext uri="{FF2B5EF4-FFF2-40B4-BE49-F238E27FC236}">
+                <a16:creationId xmlns:a16="http://schemas.microsoft.com/office/drawing/2014/main" id="{7C51CF69-BFDF-44AC-86E0-99EC91654E90}"/>
+              </a:ext>
+            </a:extLst>
+          </p:cNvPr>
+          <p:cNvCxnSpPr/>
+          <p:nvPr/>
+        </p:nvCxnSpPr>
+        <p:spPr>
+          <a:xfrm>
+            <a:off x="5519936" y="2420888"/>
+            <a:ext cx="0" cy="792088"/>
+          </a:xfrm>
+          <a:prstGeom prst="straightConnector1">
+            <a:avLst/>
+          </a:prstGeom>
+          <a:ln w="19050">
+            <a:tailEnd type="triangle"/>
+          </a:ln>
+        </p:spPr>
+        <p:style>
+          <a:lnRef idx="1">
+            <a:schemeClr val="accent1"/>
+          </a:lnRef>
+          <a:fillRef idx="0">
+            <a:schemeClr val="accent1"/>
+          </a:fillRef>
+          <a:effectRef idx="0">
+            <a:schemeClr val="accent1"/>
+          </a:effectRef>
+          <a:fontRef idx="minor">
+            <a:schemeClr val="tx1"/>
+          </a:fontRef>
+        </p:style>
+      </p:cxnSp>
+      <p:sp>
+        <p:nvSpPr>
+          <p:cNvPr id="5" name="TextBox 4">
+            <a:extLst>
+              <a:ext uri="{FF2B5EF4-FFF2-40B4-BE49-F238E27FC236}">
+                <a16:creationId xmlns:a16="http://schemas.microsoft.com/office/drawing/2014/main" id="{FD2EA3F0-FD18-45C0-9505-9ABCA638BFF4}"/>
+              </a:ext>
+            </a:extLst>
+          </p:cNvPr>
+          <p:cNvSpPr txBox="1"/>
+          <p:nvPr/>
+        </p:nvSpPr>
+        <p:spPr>
+          <a:xfrm>
+            <a:off x="4854529" y="2020778"/>
+            <a:ext cx="1330814" cy="400110"/>
+          </a:xfrm>
+          <a:prstGeom prst="rect">
+            <a:avLst/>
+          </a:prstGeom>
+          <a:noFill/>
+        </p:spPr>
+        <p:txBody>
+          <a:bodyPr wrap="none" rtlCol="0">
+            <a:spAutoFit/>
+          </a:bodyPr>
+          <a:lstStyle/>
+          <a:p>
+            <a:pPr algn="ctr"/>
+            <a:r>
+              <a:rPr lang="ko-KR" altLang="en-US" sz="2000" dirty="0">
+                <a:solidFill>
+                  <a:schemeClr val="accent6">
+                    <a:lumMod val="75000"/>
+                  </a:schemeClr>
+                </a:solidFill>
+                <a:latin typeface="나눔바른고딕" panose="020B0603020101020101" pitchFamily="50" charset="-127"/>
+                <a:ea typeface="나눔바른고딕" panose="020B0603020101020101" pitchFamily="50" charset="-127"/>
+              </a:rPr>
+              <a:t>대입연산자</a:t>
+            </a:r>
+            <a:endParaRPr lang="en-US" altLang="ko-KR" sz="2000" dirty="0">
+              <a:solidFill>
+                <a:schemeClr val="accent6">
+                  <a:lumMod val="75000"/>
+                </a:schemeClr>
+              </a:solidFill>
+              <a:latin typeface="나눔바른고딕" panose="020B0603020101020101" pitchFamily="50" charset="-127"/>
+              <a:ea typeface="나눔바른고딕" panose="020B0603020101020101" pitchFamily="50" charset="-127"/>
+            </a:endParaRPr>
+          </a:p>
+        </p:txBody>
+      </p:sp>
+    </p:spTree>
+    <p:extLst>
+      <p:ext uri="{BB962C8B-B14F-4D97-AF65-F5344CB8AC3E}">
+        <p14:creationId xmlns:p14="http://schemas.microsoft.com/office/powerpoint/2010/main" val="87995951"/>
+      </p:ext>
+    </p:extLst>
+  </p:cSld>
+  <p:clrMapOvr>
+    <a:masterClrMapping/>
+  </p:clrMapOvr>
+  <p:timing>
+    <p:tnLst>
+      <p:par>
+        <p:cTn id="1" dur="indefinite" restart="never" nodeType="tmRoot">
+          <p:childTnLst>
+            <p:seq concurrent="1" nextAc="seek">
+              <p:cTn id="2" dur="indefinite" nodeType="mainSeq">
+                <p:childTnLst>
+                  <p:par>
+                    <p:cTn id="3" fill="hold">
+                      <p:stCondLst>
+                        <p:cond delay="indefinite"/>
+                      </p:stCondLst>
+                      <p:childTnLst>
+                        <p:par>
+                          <p:cTn id="4" fill="hold">
+                            <p:stCondLst>
+                              <p:cond delay="0"/>
+                            </p:stCondLst>
+                            <p:childTnLst>
+                              <p:par>
+                                <p:cTn id="5" presetID="1" presetClass="entr" presetSubtype="0" fill="hold" nodeType="clickEffect">
+                                  <p:stCondLst>
+                                    <p:cond delay="0"/>
+                                  </p:stCondLst>
+                                  <p:childTnLst>
+                                    <p:set>
+                                      <p:cBhvr>
+                                        <p:cTn id="6" dur="1" fill="hold">
+                                          <p:stCondLst>
+                                            <p:cond delay="0"/>
+                                          </p:stCondLst>
+                                        </p:cTn>
+                                        <p:tgtEl>
+                                          <p:spTgt spid="4"/>
+                                        </p:tgtEl>
+                                        <p:attrNameLst>
+                                          <p:attrName>style.visibility</p:attrName>
+                                        </p:attrNameLst>
+                                      </p:cBhvr>
+                                      <p:to>
+                                        <p:strVal val="visible"/>
+                                      </p:to>
+                                    </p:set>
+                                  </p:childTnLst>
+                                </p:cTn>
+                              </p:par>
+                              <p:par>
+                                <p:cTn id="7" presetID="1" presetClass="entr" presetSubtype="0" fill="hold" grpId="0" nodeType="withEffect">
+                                  <p:stCondLst>
+                                    <p:cond delay="0"/>
+                                  </p:stCondLst>
+                                  <p:childTnLst>
+                                    <p:set>
+                                      <p:cBhvr>
+                                        <p:cTn id="8" dur="1" fill="hold">
+                                          <p:stCondLst>
+                                            <p:cond delay="0"/>
+                                          </p:stCondLst>
+                                        </p:cTn>
+                                        <p:tgtEl>
+                                          <p:spTgt spid="5"/>
+                                        </p:tgtEl>
+                                        <p:attrNameLst>
+                                          <p:attrName>style.visibility</p:attrName>
+                                        </p:attrNameLst>
+                                      </p:cBhvr>
+                                      <p:to>
+                                        <p:strVal val="visible"/>
+                                      </p:to>
+                                    </p:set>
+                                  </p:childTnLst>
+                                </p:cTn>
+                              </p:par>
+                            </p:childTnLst>
+                          </p:cTn>
+                        </p:par>
+                      </p:childTnLst>
+                    </p:cTn>
+                  </p:par>
+                </p:childTnLst>
+              </p:cTn>
+              <p:prevCondLst>
+                <p:cond evt="onPrev" delay="0">
+                  <p:tgtEl>
+                    <p:sldTgt/>
+                  </p:tgtEl>
+                </p:cond>
+              </p:prevCondLst>
+              <p:nextCondLst>
+                <p:cond evt="onNext" delay="0">
+                  <p:tgtEl>
+                    <p:sldTgt/>
+                  </p:tgtEl>
+                </p:cond>
+              </p:nextCondLst>
+            </p:seq>
+          </p:childTnLst>
+        </p:cTn>
+      </p:par>
+    </p:tnLst>
+    <p:bldLst>
+      <p:bldP spid="5" grpId="0"/>
+    </p:bldLst>
+  </p:timing>
+</p:sld>
+</file>
+
+<file path=ppt/slides/slide8.xml><?xml version="1.0" encoding="utf-8"?>
+<p:sld xmlns:a="http://schemas.openxmlformats.org/drawingml/2006/main" xmlns:r="http://schemas.openxmlformats.org/officeDocument/2006/relationships" xmlns:p="http://schemas.openxmlformats.org/presentationml/2006/main">
+  <p:cSld>
+    <p:bg>
+      <p:bgPr>
+        <a:solidFill>
+          <a:schemeClr val="tx1">
+            <a:lumMod val="85000"/>
+            <a:lumOff val="15000"/>
+          </a:schemeClr>
+        </a:solidFill>
+        <a:effectLst/>
+      </p:bgPr>
+    </p:bg>
+    <p:spTree>
+      <p:nvGrpSpPr>
+        <p:cNvPr id="1" name=""/>
+        <p:cNvGrpSpPr/>
+        <p:nvPr/>
+      </p:nvGrpSpPr>
+      <p:grpSpPr>
+        <a:xfrm>
+          <a:off x="0" y="0"/>
+          <a:ext cx="0" cy="0"/>
+          <a:chOff x="0" y="0"/>
+          <a:chExt cx="0" cy="0"/>
+        </a:xfrm>
+      </p:grpSpPr>
+      <p:sp>
+        <p:nvSpPr>
+          <p:cNvPr id="2" name="TextBox 1">
+            <a:extLst>
+              <a:ext uri="{FF2B5EF4-FFF2-40B4-BE49-F238E27FC236}">
+                <a16:creationId xmlns:a16="http://schemas.microsoft.com/office/drawing/2014/main" id="{0B332A50-CC0E-4C7E-B47E-E7CFBA7B423B}"/>
+              </a:ext>
+            </a:extLst>
+          </p:cNvPr>
+          <p:cNvSpPr txBox="1"/>
+          <p:nvPr/>
+        </p:nvSpPr>
+        <p:spPr>
+          <a:xfrm>
+            <a:off x="5160494" y="3102283"/>
+            <a:ext cx="1871026" cy="660502"/>
+          </a:xfrm>
+          <a:prstGeom prst="rect">
+            <a:avLst/>
+          </a:prstGeom>
+          <a:noFill/>
+        </p:spPr>
+        <p:txBody>
+          <a:bodyPr wrap="none" rtlCol="0">
+            <a:spAutoFit/>
+          </a:bodyPr>
+          <a:lstStyle/>
+          <a:p>
+            <a:pPr algn="ctr"/>
+            <a:r>
+              <a:rPr lang="ko-KR" altLang="en-US" sz="3692" dirty="0">
+                <a:solidFill>
+                  <a:schemeClr val="bg1">
+                    <a:lumMod val="95000"/>
+                  </a:schemeClr>
+                </a:solidFill>
+                <a:latin typeface="나눔바른고딕" panose="020B0603020101020101" pitchFamily="50" charset="-127"/>
+                <a:ea typeface="나눔바른고딕" panose="020B0603020101020101" pitchFamily="50" charset="-127"/>
+              </a:rPr>
+              <a:t>산술연산</a:t>
+            </a:r>
+            <a:endParaRPr lang="en-US" altLang="ko-KR" sz="3692" dirty="0">
+              <a:solidFill>
+                <a:schemeClr val="bg1">
+                  <a:lumMod val="95000"/>
+                </a:schemeClr>
+              </a:solidFill>
+              <a:latin typeface="나눔바른고딕" panose="020B0603020101020101" pitchFamily="50" charset="-127"/>
+              <a:ea typeface="나눔바른고딕" panose="020B0603020101020101" pitchFamily="50" charset="-127"/>
+            </a:endParaRPr>
+          </a:p>
+        </p:txBody>
+      </p:sp>
+    </p:spTree>
+    <p:extLst>
+      <p:ext uri="{BB962C8B-B14F-4D97-AF65-F5344CB8AC3E}">
+        <p14:creationId xmlns:p14="http://schemas.microsoft.com/office/powerpoint/2010/main" val="4062221710"/>
+      </p:ext>
+    </p:extLst>
+  </p:cSld>
+  <p:clrMapOvr>
+    <a:masterClrMapping/>
+  </p:clrMapOvr>
+</p:sld>
+</file>
+
+<file path=ppt/slides/slide9.xml><?xml version="1.0" encoding="utf-8"?>
 <p:sld xmlns:a="http://schemas.openxmlformats.org/drawingml/2006/main" xmlns:r="http://schemas.openxmlformats.org/officeDocument/2006/relationships" xmlns:p="http://schemas.openxmlformats.org/presentationml/2006/main">
   <p:cSld>
     <p:bg>
@@ -6814,194 +8381,6 @@
     <p:extLst>
       <p:ext uri="{BB962C8B-B14F-4D97-AF65-F5344CB8AC3E}">
         <p14:creationId xmlns:p14="http://schemas.microsoft.com/office/powerpoint/2010/main" val="3222604313"/>
-      </p:ext>
-    </p:extLst>
-  </p:cSld>
-  <p:clrMapOvr>
-    <a:masterClrMapping/>
-  </p:clrMapOvr>
-</p:sld>
-</file>
-
-<file path=ppt/slides/slide8.xml><?xml version="1.0" encoding="utf-8"?>
-<p:sld xmlns:a="http://schemas.openxmlformats.org/drawingml/2006/main" xmlns:r="http://schemas.openxmlformats.org/officeDocument/2006/relationships" xmlns:p="http://schemas.openxmlformats.org/presentationml/2006/main">
-  <p:cSld>
-    <p:bg>
-      <p:bgPr>
-        <a:solidFill>
-          <a:schemeClr val="tx1">
-            <a:lumMod val="85000"/>
-            <a:lumOff val="15000"/>
-          </a:schemeClr>
-        </a:solidFill>
-        <a:effectLst/>
-      </p:bgPr>
-    </p:bg>
-    <p:spTree>
-      <p:nvGrpSpPr>
-        <p:cNvPr id="1" name=""/>
-        <p:cNvGrpSpPr/>
-        <p:nvPr/>
-      </p:nvGrpSpPr>
-      <p:grpSpPr>
-        <a:xfrm>
-          <a:off x="0" y="0"/>
-          <a:ext cx="0" cy="0"/>
-          <a:chOff x="0" y="0"/>
-          <a:chExt cx="0" cy="0"/>
-        </a:xfrm>
-      </p:grpSpPr>
-      <p:sp>
-        <p:nvSpPr>
-          <p:cNvPr id="2" name="TextBox 1">
-            <a:extLst>
-              <a:ext uri="{FF2B5EF4-FFF2-40B4-BE49-F238E27FC236}">
-                <a16:creationId xmlns:a16="http://schemas.microsoft.com/office/drawing/2014/main" id="{0B332A50-CC0E-4C7E-B47E-E7CFBA7B423B}"/>
-              </a:ext>
-            </a:extLst>
-          </p:cNvPr>
-          <p:cNvSpPr txBox="1"/>
-          <p:nvPr/>
-        </p:nvSpPr>
-        <p:spPr>
-          <a:xfrm>
-            <a:off x="5160487" y="3098749"/>
-            <a:ext cx="1871026" cy="660502"/>
-          </a:xfrm>
-          <a:prstGeom prst="rect">
-            <a:avLst/>
-          </a:prstGeom>
-          <a:noFill/>
-        </p:spPr>
-        <p:txBody>
-          <a:bodyPr wrap="none" rtlCol="0">
-            <a:spAutoFit/>
-          </a:bodyPr>
-          <a:lstStyle/>
-          <a:p>
-            <a:pPr algn="ctr"/>
-            <a:r>
-              <a:rPr lang="ko-KR" altLang="en-US" sz="3692" dirty="0">
-                <a:solidFill>
-                  <a:schemeClr val="bg1">
-                    <a:lumMod val="95000"/>
-                  </a:schemeClr>
-                </a:solidFill>
-                <a:latin typeface="나눔바른고딕" panose="020B0603020101020101" pitchFamily="50" charset="-127"/>
-                <a:ea typeface="나눔바른고딕" panose="020B0603020101020101" pitchFamily="50" charset="-127"/>
-              </a:rPr>
-              <a:t>숫자연산</a:t>
-            </a:r>
-            <a:endParaRPr lang="en-US" altLang="ko-KR" sz="3692" dirty="0">
-              <a:solidFill>
-                <a:schemeClr val="bg1">
-                  <a:lumMod val="95000"/>
-                </a:schemeClr>
-              </a:solidFill>
-              <a:latin typeface="나눔바른고딕" panose="020B0603020101020101" pitchFamily="50" charset="-127"/>
-              <a:ea typeface="나눔바른고딕" panose="020B0603020101020101" pitchFamily="50" charset="-127"/>
-            </a:endParaRPr>
-          </a:p>
-        </p:txBody>
-      </p:sp>
-    </p:spTree>
-    <p:extLst>
-      <p:ext uri="{BB962C8B-B14F-4D97-AF65-F5344CB8AC3E}">
-        <p14:creationId xmlns:p14="http://schemas.microsoft.com/office/powerpoint/2010/main" val="2397365537"/>
-      </p:ext>
-    </p:extLst>
-  </p:cSld>
-  <p:clrMapOvr>
-    <a:masterClrMapping/>
-  </p:clrMapOvr>
-</p:sld>
-</file>
-
-<file path=ppt/slides/slide9.xml><?xml version="1.0" encoding="utf-8"?>
-<p:sld xmlns:a="http://schemas.openxmlformats.org/drawingml/2006/main" xmlns:r="http://schemas.openxmlformats.org/officeDocument/2006/relationships" xmlns:p="http://schemas.openxmlformats.org/presentationml/2006/main">
-  <p:cSld>
-    <p:bg>
-      <p:bgPr>
-        <a:solidFill>
-          <a:schemeClr val="tx1">
-            <a:lumMod val="85000"/>
-            <a:lumOff val="15000"/>
-          </a:schemeClr>
-        </a:solidFill>
-        <a:effectLst/>
-      </p:bgPr>
-    </p:bg>
-    <p:spTree>
-      <p:nvGrpSpPr>
-        <p:cNvPr id="1" name=""/>
-        <p:cNvGrpSpPr/>
-        <p:nvPr/>
-      </p:nvGrpSpPr>
-      <p:grpSpPr>
-        <a:xfrm>
-          <a:off x="0" y="0"/>
-          <a:ext cx="0" cy="0"/>
-          <a:chOff x="0" y="0"/>
-          <a:chExt cx="0" cy="0"/>
-        </a:xfrm>
-      </p:grpSpPr>
-      <p:sp>
-        <p:nvSpPr>
-          <p:cNvPr id="2" name="TextBox 1">
-            <a:extLst>
-              <a:ext uri="{FF2B5EF4-FFF2-40B4-BE49-F238E27FC236}">
-                <a16:creationId xmlns:a16="http://schemas.microsoft.com/office/drawing/2014/main" id="{0B332A50-CC0E-4C7E-B47E-E7CFBA7B423B}"/>
-              </a:ext>
-            </a:extLst>
-          </p:cNvPr>
-          <p:cNvSpPr txBox="1"/>
-          <p:nvPr/>
-        </p:nvSpPr>
-        <p:spPr>
-          <a:xfrm>
-            <a:off x="4949692" y="3098749"/>
-            <a:ext cx="2292615" cy="660502"/>
-          </a:xfrm>
-          <a:prstGeom prst="rect">
-            <a:avLst/>
-          </a:prstGeom>
-          <a:noFill/>
-        </p:spPr>
-        <p:txBody>
-          <a:bodyPr wrap="none" rtlCol="0">
-            <a:spAutoFit/>
-          </a:bodyPr>
-          <a:lstStyle/>
-          <a:p>
-            <a:pPr algn="ctr"/>
-            <a:r>
-              <a:rPr lang="ko-KR" altLang="en-US" sz="3692" dirty="0">
-                <a:solidFill>
-                  <a:schemeClr val="bg1">
-                    <a:lumMod val="95000"/>
-                  </a:schemeClr>
-                </a:solidFill>
-                <a:latin typeface="나눔바른고딕" panose="020B0603020101020101" pitchFamily="50" charset="-127"/>
-                <a:ea typeface="나눔바른고딕" panose="020B0603020101020101" pitchFamily="50" charset="-127"/>
-              </a:rPr>
-              <a:t>문자열연산</a:t>
-            </a:r>
-            <a:endParaRPr lang="en-US" altLang="ko-KR" sz="3692" dirty="0">
-              <a:solidFill>
-                <a:schemeClr val="bg1">
-                  <a:lumMod val="95000"/>
-                </a:schemeClr>
-              </a:solidFill>
-              <a:latin typeface="나눔바른고딕" panose="020B0603020101020101" pitchFamily="50" charset="-127"/>
-              <a:ea typeface="나눔바른고딕" panose="020B0603020101020101" pitchFamily="50" charset="-127"/>
-            </a:endParaRPr>
-          </a:p>
-        </p:txBody>
-      </p:sp>
-    </p:spTree>
-    <p:extLst>
-      <p:ext uri="{BB962C8B-B14F-4D97-AF65-F5344CB8AC3E}">
-        <p14:creationId xmlns:p14="http://schemas.microsoft.com/office/powerpoint/2010/main" val="2220945899"/>
       </p:ext>
     </p:extLst>
   </p:cSld>
